--- a/doc/Yeti_device_driver_list.pptx
+++ b/doc/Yeti_device_driver_list.pptx
@@ -5,27 +5,29 @@
     <p:sldMasterId id="2147483648" r:id="rId1"/>
   </p:sldMasterIdLst>
   <p:notesMasterIdLst>
-    <p:notesMasterId r:id="rId20"/>
+    <p:notesMasterId r:id="rId22"/>
   </p:notesMasterIdLst>
   <p:sldIdLst>
     <p:sldId id="256" r:id="rId2"/>
     <p:sldId id="257" r:id="rId3"/>
     <p:sldId id="273" r:id="rId4"/>
-    <p:sldId id="272" r:id="rId5"/>
-    <p:sldId id="258" r:id="rId6"/>
-    <p:sldId id="259" r:id="rId7"/>
-    <p:sldId id="260" r:id="rId8"/>
-    <p:sldId id="261" r:id="rId9"/>
-    <p:sldId id="262" r:id="rId10"/>
-    <p:sldId id="263" r:id="rId11"/>
-    <p:sldId id="270" r:id="rId12"/>
-    <p:sldId id="264" r:id="rId13"/>
-    <p:sldId id="265" r:id="rId14"/>
-    <p:sldId id="266" r:id="rId15"/>
-    <p:sldId id="271" r:id="rId16"/>
-    <p:sldId id="267" r:id="rId17"/>
-    <p:sldId id="269" r:id="rId18"/>
-    <p:sldId id="268" r:id="rId19"/>
+    <p:sldId id="274" r:id="rId5"/>
+    <p:sldId id="272" r:id="rId6"/>
+    <p:sldId id="258" r:id="rId7"/>
+    <p:sldId id="259" r:id="rId8"/>
+    <p:sldId id="260" r:id="rId9"/>
+    <p:sldId id="261" r:id="rId10"/>
+    <p:sldId id="262" r:id="rId11"/>
+    <p:sldId id="263" r:id="rId12"/>
+    <p:sldId id="270" r:id="rId13"/>
+    <p:sldId id="264" r:id="rId14"/>
+    <p:sldId id="265" r:id="rId15"/>
+    <p:sldId id="266" r:id="rId16"/>
+    <p:sldId id="271" r:id="rId17"/>
+    <p:sldId id="267" r:id="rId18"/>
+    <p:sldId id="269" r:id="rId19"/>
+    <p:sldId id="268" r:id="rId20"/>
+    <p:sldId id="275" r:id="rId21"/>
   </p:sldIdLst>
   <p:sldSz cx="9144000" cy="6858000" type="screen4x3"/>
   <p:notesSz cx="6858000" cy="9144000"/>
@@ -209,7 +211,7 @@
           <a:p>
             <a:fld id="{D2595E78-9B78-4B50-AE5A-474038A4AFB8}" type="datetimeFigureOut">
               <a:rPr lang="zh-CN" altLang="en-US" smtClean="0"/>
-              <a:t>2017/2/24</a:t>
+              <a:t>2017/3/7</a:t>
             </a:fld>
             <a:endParaRPr lang="zh-CN" altLang="en-US"/>
           </a:p>
@@ -521,6 +523,118 @@
           <a:bodyPr/>
           <a:lstStyle/>
           <a:p>
+            <a:r>
+              <a:rPr lang="zh-CN" altLang="en-US" dirty="0" smtClean="0"/>
+              <a:t>笔转换灯跟电源键</a:t>
+            </a:r>
+            <a:r>
+              <a:rPr lang="en-US" altLang="zh-CN" dirty="0" smtClean="0"/>
+              <a:t>event</a:t>
+            </a:r>
+            <a:r>
+              <a:rPr lang="zh-CN" altLang="en-US" dirty="0" smtClean="0"/>
+              <a:t>号一样，但是报值的类型不同，一个是</a:t>
+            </a:r>
+            <a:r>
+              <a:rPr lang="en-US" altLang="zh-CN" dirty="0" err="1" smtClean="0"/>
+              <a:t>key_power</a:t>
+            </a:r>
+            <a:r>
+              <a:rPr lang="en-US" altLang="zh-CN" dirty="0" smtClean="0"/>
+              <a:t>,</a:t>
+            </a:r>
+            <a:r>
+              <a:rPr lang="zh-CN" altLang="en-US" dirty="0" smtClean="0"/>
+              <a:t>一个是</a:t>
+            </a:r>
+            <a:r>
+              <a:rPr lang="en-US" altLang="zh-CN" dirty="0" err="1" smtClean="0"/>
+              <a:t>key_kdbinputassist_p</a:t>
+            </a:r>
+            <a:endParaRPr lang="zh-CN" altLang="en-US" dirty="0"/>
+          </a:p>
+        </p:txBody>
+      </p:sp>
+      <p:sp>
+        <p:nvSpPr>
+          <p:cNvPr id="4" name="灯片编号占位符 3"/>
+          <p:cNvSpPr>
+            <a:spLocks noGrp="1"/>
+          </p:cNvSpPr>
+          <p:nvPr>
+            <p:ph type="sldNum" sz="quarter" idx="10"/>
+          </p:nvPr>
+        </p:nvSpPr>
+        <p:spPr/>
+        <p:txBody>
+          <a:bodyPr/>
+          <a:lstStyle/>
+          <a:p>
+            <a:fld id="{ED70A951-8D21-4173-9A26-6F5586ACE909}" type="slidenum">
+              <a:rPr lang="zh-CN" altLang="en-US" smtClean="0"/>
+              <a:t>6</a:t>
+            </a:fld>
+            <a:endParaRPr lang="zh-CN" altLang="en-US"/>
+          </a:p>
+        </p:txBody>
+      </p:sp>
+    </p:spTree>
+    <p:extLst>
+      <p:ext uri="{BB962C8B-B14F-4D97-AF65-F5344CB8AC3E}">
+        <p14:creationId xmlns:p14="http://schemas.microsoft.com/office/powerpoint/2010/main" val="4064068465"/>
+      </p:ext>
+    </p:extLst>
+  </p:cSld>
+  <p:clrMapOvr>
+    <a:masterClrMapping/>
+  </p:clrMapOvr>
+</p:notes>
+</file>
+
+<file path=ppt/notesSlides/notesSlide2.xml><?xml version="1.0" encoding="utf-8"?>
+<p:notes xmlns:a="http://schemas.openxmlformats.org/drawingml/2006/main" xmlns:r="http://schemas.openxmlformats.org/officeDocument/2006/relationships" xmlns:p="http://schemas.openxmlformats.org/presentationml/2006/main">
+  <p:cSld>
+    <p:spTree>
+      <p:nvGrpSpPr>
+        <p:cNvPr id="1" name=""/>
+        <p:cNvGrpSpPr/>
+        <p:nvPr/>
+      </p:nvGrpSpPr>
+      <p:grpSpPr>
+        <a:xfrm>
+          <a:off x="0" y="0"/>
+          <a:ext cx="0" cy="0"/>
+          <a:chOff x="0" y="0"/>
+          <a:chExt cx="0" cy="0"/>
+        </a:xfrm>
+      </p:grpSpPr>
+      <p:sp>
+        <p:nvSpPr>
+          <p:cNvPr id="2" name="幻灯片图像占位符 1"/>
+          <p:cNvSpPr>
+            <a:spLocks noGrp="1" noRot="1" noChangeAspect="1"/>
+          </p:cNvSpPr>
+          <p:nvPr>
+            <p:ph type="sldImg"/>
+          </p:nvPr>
+        </p:nvSpPr>
+        <p:spPr/>
+      </p:sp>
+      <p:sp>
+        <p:nvSpPr>
+          <p:cNvPr id="3" name="备注占位符 2"/>
+          <p:cNvSpPr>
+            <a:spLocks noGrp="1"/>
+          </p:cNvSpPr>
+          <p:nvPr>
+            <p:ph type="body" idx="1"/>
+          </p:nvPr>
+        </p:nvSpPr>
+        <p:spPr/>
+        <p:txBody>
+          <a:bodyPr/>
+          <a:lstStyle/>
+          <a:p>
             <a:pPr algn="l"/>
             <a:r>
               <a:rPr lang="zh-CN" altLang="en-US" b="1" dirty="0" smtClean="0">
@@ -594,6 +708,174 @@
               </a:rPr>
               <a:t>数据进行修改再向上传输</a:t>
             </a:r>
+            <a:r>
+              <a:rPr lang="en-US" altLang="zh-CN" b="1" dirty="0" smtClean="0">
+                <a:solidFill>
+                  <a:srgbClr val="FF0000"/>
+                </a:solidFill>
+              </a:rPr>
+              <a:t>[</a:t>
+            </a:r>
+            <a:r>
+              <a:rPr lang="zh-CN" altLang="en-US" b="1" dirty="0" smtClean="0">
+                <a:solidFill>
+                  <a:srgbClr val="FF0000"/>
+                </a:solidFill>
+              </a:rPr>
+              <a:t>将</a:t>
+            </a:r>
+            <a:r>
+              <a:rPr lang="en-US" altLang="zh-CN" b="1" dirty="0" err="1" smtClean="0">
+                <a:solidFill>
+                  <a:srgbClr val="FF0000"/>
+                </a:solidFill>
+              </a:rPr>
+              <a:t>xy</a:t>
+            </a:r>
+            <a:r>
+              <a:rPr lang="zh-CN" altLang="en-US" b="1" dirty="0" smtClean="0">
+                <a:solidFill>
+                  <a:srgbClr val="FF0000"/>
+                </a:solidFill>
+              </a:rPr>
+              <a:t>的</a:t>
+            </a:r>
+            <a:r>
+              <a:rPr lang="en-US" altLang="zh-CN" b="1" dirty="0" smtClean="0">
+                <a:solidFill>
+                  <a:srgbClr val="FF0000"/>
+                </a:solidFill>
+              </a:rPr>
+              <a:t>raw</a:t>
+            </a:r>
+            <a:r>
+              <a:rPr lang="zh-CN" altLang="en-US" b="1" dirty="0" smtClean="0">
+                <a:solidFill>
+                  <a:srgbClr val="FF0000"/>
+                </a:solidFill>
+              </a:rPr>
+              <a:t>数据转换成</a:t>
+            </a:r>
+            <a:r>
+              <a:rPr lang="en-US" altLang="zh-CN" b="1" dirty="0" smtClean="0">
+                <a:solidFill>
+                  <a:srgbClr val="FF0000"/>
+                </a:solidFill>
+              </a:rPr>
+              <a:t>keyboard</a:t>
+            </a:r>
+            <a:r>
+              <a:rPr lang="zh-CN" altLang="en-US" b="1" dirty="0" smtClean="0">
+                <a:solidFill>
+                  <a:srgbClr val="FF0000"/>
+                </a:solidFill>
+              </a:rPr>
+              <a:t>的</a:t>
+            </a:r>
+            <a:r>
+              <a:rPr lang="en-US" altLang="zh-CN" b="1" dirty="0" smtClean="0">
+                <a:solidFill>
+                  <a:srgbClr val="FF0000"/>
+                </a:solidFill>
+              </a:rPr>
+              <a:t>raw</a:t>
+            </a:r>
+            <a:r>
+              <a:rPr lang="zh-CN" altLang="en-US" b="1" dirty="0" smtClean="0">
+                <a:solidFill>
+                  <a:srgbClr val="FF0000"/>
+                </a:solidFill>
+              </a:rPr>
+              <a:t>数据，放到</a:t>
+            </a:r>
+            <a:r>
+              <a:rPr lang="en-US" altLang="zh-CN" b="1" dirty="0" smtClean="0">
+                <a:solidFill>
+                  <a:srgbClr val="FF0000"/>
+                </a:solidFill>
+              </a:rPr>
+              <a:t>event10</a:t>
+            </a:r>
+            <a:r>
+              <a:rPr lang="zh-CN" altLang="en-US" b="1" dirty="0" smtClean="0">
+                <a:solidFill>
+                  <a:srgbClr val="FF0000"/>
+                </a:solidFill>
+              </a:rPr>
+              <a:t>的</a:t>
+            </a:r>
+            <a:r>
+              <a:rPr lang="en-US" altLang="zh-CN" b="1" dirty="0" err="1" smtClean="0">
+                <a:solidFill>
+                  <a:srgbClr val="FF0000"/>
+                </a:solidFill>
+              </a:rPr>
+              <a:t>flatkeyboard</a:t>
+            </a:r>
+            <a:r>
+              <a:rPr lang="zh-CN" altLang="en-US" b="1" dirty="0" smtClean="0">
+                <a:solidFill>
+                  <a:srgbClr val="FF0000"/>
+                </a:solidFill>
+              </a:rPr>
+              <a:t>里面，然后走正常的</a:t>
+            </a:r>
+            <a:r>
+              <a:rPr lang="en-US" altLang="zh-CN" b="1" dirty="0" smtClean="0">
+                <a:solidFill>
+                  <a:srgbClr val="FF0000"/>
+                </a:solidFill>
+              </a:rPr>
+              <a:t>input</a:t>
+            </a:r>
+            <a:r>
+              <a:rPr lang="zh-CN" altLang="en-US" b="1" dirty="0" smtClean="0">
+                <a:solidFill>
+                  <a:srgbClr val="FF0000"/>
+                </a:solidFill>
+              </a:rPr>
+              <a:t>流程</a:t>
+            </a:r>
+            <a:r>
+              <a:rPr lang="en-US" altLang="zh-CN" b="1" dirty="0" smtClean="0">
+                <a:solidFill>
+                  <a:srgbClr val="FF0000"/>
+                </a:solidFill>
+              </a:rPr>
+              <a:t>][</a:t>
+            </a:r>
+            <a:r>
+              <a:rPr lang="zh-CN" altLang="en-US" b="1" dirty="0" smtClean="0">
+                <a:solidFill>
+                  <a:srgbClr val="FF0000"/>
+                </a:solidFill>
+              </a:rPr>
+              <a:t>坐标扫描码转按键扫描码，再走</a:t>
+            </a:r>
+            <a:r>
+              <a:rPr lang="en-US" altLang="zh-CN" b="1" dirty="0" smtClean="0">
+                <a:solidFill>
+                  <a:srgbClr val="FF0000"/>
+                </a:solidFill>
+              </a:rPr>
+              <a:t>input</a:t>
+            </a:r>
+            <a:r>
+              <a:rPr lang="zh-CN" altLang="en-US" b="1" smtClean="0">
+                <a:solidFill>
+                  <a:srgbClr val="FF0000"/>
+                </a:solidFill>
+              </a:rPr>
+              <a:t>子系统转按键码</a:t>
+            </a:r>
+            <a:r>
+              <a:rPr lang="en-US" altLang="zh-CN" b="1" smtClean="0">
+                <a:solidFill>
+                  <a:srgbClr val="FF0000"/>
+                </a:solidFill>
+              </a:rPr>
+              <a:t>]</a:t>
+            </a:r>
             <a:endParaRPr lang="en-US" altLang="zh-CN" b="1" dirty="0" smtClean="0">
               <a:solidFill>
                 <a:srgbClr val="FF0000"/>
@@ -619,7 +901,7 @@
           <a:p>
             <a:fld id="{ED70A951-8D21-4173-9A26-6F5586ACE909}" type="slidenum">
               <a:rPr lang="zh-CN" altLang="en-US" smtClean="0"/>
-              <a:t>7</a:t>
+              <a:t>8</a:t>
             </a:fld>
             <a:endParaRPr lang="zh-CN" altLang="en-US"/>
           </a:p>
@@ -820,7 +1102,7 @@
             <a:fld id="{5A7BD1E9-E818-4EDB-BE12-72721BB07FFA}" type="datetimeFigureOut">
               <a:rPr lang="zh-CN" altLang="en-US" smtClean="0"/>
               <a:pPr/>
-              <a:t>2017/2/24</a:t>
+              <a:t>2017/3/7</a:t>
             </a:fld>
             <a:endParaRPr lang="zh-CN" altLang="en-US"/>
           </a:p>
@@ -987,7 +1269,7 @@
             <a:fld id="{5A7BD1E9-E818-4EDB-BE12-72721BB07FFA}" type="datetimeFigureOut">
               <a:rPr lang="zh-CN" altLang="en-US" smtClean="0"/>
               <a:pPr/>
-              <a:t>2017/2/24</a:t>
+              <a:t>2017/3/7</a:t>
             </a:fld>
             <a:endParaRPr lang="zh-CN" altLang="en-US"/>
           </a:p>
@@ -1164,7 +1446,7 @@
             <a:fld id="{5A7BD1E9-E818-4EDB-BE12-72721BB07FFA}" type="datetimeFigureOut">
               <a:rPr lang="zh-CN" altLang="en-US" smtClean="0"/>
               <a:pPr/>
-              <a:t>2017/2/24</a:t>
+              <a:t>2017/3/7</a:t>
             </a:fld>
             <a:endParaRPr lang="zh-CN" altLang="en-US"/>
           </a:p>
@@ -1331,7 +1613,7 @@
             <a:fld id="{5A7BD1E9-E818-4EDB-BE12-72721BB07FFA}" type="datetimeFigureOut">
               <a:rPr lang="zh-CN" altLang="en-US" smtClean="0"/>
               <a:pPr/>
-              <a:t>2017/2/24</a:t>
+              <a:t>2017/3/7</a:t>
             </a:fld>
             <a:endParaRPr lang="zh-CN" altLang="en-US"/>
           </a:p>
@@ -1574,7 +1856,7 @@
             <a:fld id="{5A7BD1E9-E818-4EDB-BE12-72721BB07FFA}" type="datetimeFigureOut">
               <a:rPr lang="zh-CN" altLang="en-US" smtClean="0"/>
               <a:pPr/>
-              <a:t>2017/2/24</a:t>
+              <a:t>2017/3/7</a:t>
             </a:fld>
             <a:endParaRPr lang="zh-CN" altLang="en-US"/>
           </a:p>
@@ -1859,7 +2141,7 @@
             <a:fld id="{5A7BD1E9-E818-4EDB-BE12-72721BB07FFA}" type="datetimeFigureOut">
               <a:rPr lang="zh-CN" altLang="en-US" smtClean="0"/>
               <a:pPr/>
-              <a:t>2017/2/24</a:t>
+              <a:t>2017/3/7</a:t>
             </a:fld>
             <a:endParaRPr lang="zh-CN" altLang="en-US"/>
           </a:p>
@@ -2278,7 +2560,7 @@
             <a:fld id="{5A7BD1E9-E818-4EDB-BE12-72721BB07FFA}" type="datetimeFigureOut">
               <a:rPr lang="zh-CN" altLang="en-US" smtClean="0"/>
               <a:pPr/>
-              <a:t>2017/2/24</a:t>
+              <a:t>2017/3/7</a:t>
             </a:fld>
             <a:endParaRPr lang="zh-CN" altLang="en-US"/>
           </a:p>
@@ -2393,7 +2675,7 @@
             <a:fld id="{5A7BD1E9-E818-4EDB-BE12-72721BB07FFA}" type="datetimeFigureOut">
               <a:rPr lang="zh-CN" altLang="en-US" smtClean="0"/>
               <a:pPr/>
-              <a:t>2017/2/24</a:t>
+              <a:t>2017/3/7</a:t>
             </a:fld>
             <a:endParaRPr lang="zh-CN" altLang="en-US"/>
           </a:p>
@@ -2485,7 +2767,7 @@
             <a:fld id="{5A7BD1E9-E818-4EDB-BE12-72721BB07FFA}" type="datetimeFigureOut">
               <a:rPr lang="zh-CN" altLang="en-US" smtClean="0"/>
               <a:pPr/>
-              <a:t>2017/2/24</a:t>
+              <a:t>2017/3/7</a:t>
             </a:fld>
             <a:endParaRPr lang="zh-CN" altLang="en-US"/>
           </a:p>
@@ -2759,7 +3041,7 @@
             <a:fld id="{5A7BD1E9-E818-4EDB-BE12-72721BB07FFA}" type="datetimeFigureOut">
               <a:rPr lang="zh-CN" altLang="en-US" smtClean="0"/>
               <a:pPr/>
-              <a:t>2017/2/24</a:t>
+              <a:t>2017/3/7</a:t>
             </a:fld>
             <a:endParaRPr lang="zh-CN" altLang="en-US"/>
           </a:p>
@@ -3009,7 +3291,7 @@
             <a:fld id="{5A7BD1E9-E818-4EDB-BE12-72721BB07FFA}" type="datetimeFigureOut">
               <a:rPr lang="zh-CN" altLang="en-US" smtClean="0"/>
               <a:pPr/>
-              <a:t>2017/2/24</a:t>
+              <a:t>2017/3/7</a:t>
             </a:fld>
             <a:endParaRPr lang="zh-CN" altLang="en-US"/>
           </a:p>
@@ -3219,7 +3501,7 @@
             <a:fld id="{5A7BD1E9-E818-4EDB-BE12-72721BB07FFA}" type="datetimeFigureOut">
               <a:rPr lang="zh-CN" altLang="en-US" smtClean="0"/>
               <a:pPr/>
-              <a:t>2017/2/24</a:t>
+              <a:t>2017/3/7</a:t>
             </a:fld>
             <a:endParaRPr lang="zh-CN" altLang="en-US"/>
           </a:p>
@@ -3685,7 +3967,15 @@
           <a:p>
             <a:r>
               <a:rPr lang="en-US" altLang="zh-CN" dirty="0" smtClean="0"/>
-              <a:t>Hall Sensor</a:t>
+              <a:t>SAR </a:t>
+            </a:r>
+            <a:r>
+              <a:rPr lang="en-US" altLang="zh-CN" dirty="0" smtClean="0"/>
+              <a:t>Sensor </a:t>
+            </a:r>
+            <a:r>
+              <a:rPr lang="zh-CN" altLang="en-US" dirty="0" smtClean="0"/>
+              <a:t>感应物体，人</a:t>
             </a:r>
             <a:endParaRPr lang="zh-CN" altLang="en-US" dirty="0"/>
           </a:p>
@@ -3704,21 +3994,26 @@
         <p:spPr/>
         <p:txBody>
           <a:bodyPr>
-            <a:normAutofit fontScale="85000" lnSpcReduction="10000"/>
+            <a:normAutofit fontScale="70000" lnSpcReduction="20000"/>
           </a:bodyPr>
           <a:lstStyle/>
           <a:p>
             <a:r>
               <a:rPr lang="en-US" altLang="zh-CN" dirty="0" smtClean="0"/>
-              <a:t>driver</a:t>
-            </a:r>
-          </a:p>
-          <a:p>
-            <a:pPr lvl="1"/>
-            <a:r>
-              <a:rPr lang="en-US" altLang="zh-CN" dirty="0" smtClean="0"/>
-              <a:t>Drivers\switch\</a:t>
-            </a:r>
+              <a:t>Driver</a:t>
+            </a:r>
+          </a:p>
+          <a:p>
+            <a:pPr lvl="1"/>
+            <a:r>
+              <a:rPr lang="en-US" altLang="zh-CN" dirty="0" smtClean="0"/>
+              <a:t>drivers\input\misc\</a:t>
+            </a:r>
+            <a:r>
+              <a:rPr lang="en-US" altLang="zh-CN" dirty="0" err="1" smtClean="0"/>
+              <a:t>smtc</a:t>
+            </a:r>
+            <a:endParaRPr lang="en-US" altLang="zh-CN" dirty="0" smtClean="0"/>
           </a:p>
           <a:p>
             <a:pPr lvl="1"/>
@@ -3732,36 +4027,23 @@
             </a:r>
             <a:r>
               <a:rPr lang="en-US" altLang="zh-CN" dirty="0" smtClean="0"/>
+              <a:t>\ platform_sx9310.c </a:t>
+            </a:r>
+          </a:p>
+          <a:p>
+            <a:pPr lvl="1"/>
+            <a:r>
+              <a:rPr lang="en-US" altLang="zh-CN" dirty="0" smtClean="0"/>
+              <a:t>Include\linux\input\</a:t>
+            </a:r>
+            <a:r>
+              <a:rPr lang="en-US" altLang="zh-CN" dirty="0" err="1" smtClean="0"/>
+              <a:t>smtc</a:t>
+            </a:r>
+            <a:r>
+              <a:rPr lang="en-US" altLang="zh-CN" dirty="0" smtClean="0"/>
               <a:t>\</a:t>
             </a:r>
-            <a:r>
-              <a:rPr lang="en-US" altLang="zh-CN" dirty="0" err="1" smtClean="0"/>
-              <a:t>platform_hall.c</a:t>
-            </a:r>
-            <a:r>
-              <a:rPr lang="en-US" altLang="zh-CN" dirty="0" smtClean="0"/>
-              <a:t> </a:t>
-            </a:r>
-          </a:p>
-          <a:p>
-            <a:pPr lvl="1"/>
-            <a:r>
-              <a:rPr lang="en-US" altLang="zh-CN" dirty="0" smtClean="0"/>
-              <a:t>Include\linux\</a:t>
-            </a:r>
-            <a:r>
-              <a:rPr lang="en-US" altLang="zh-CN" dirty="0" err="1" smtClean="0"/>
-              <a:t>switch_hall.c</a:t>
-            </a:r>
-            <a:endParaRPr lang="en-US" altLang="zh-CN" dirty="0"/>
-          </a:p>
-          <a:p>
-            <a:pPr lvl="1"/>
-            <a:endParaRPr lang="en-US" altLang="zh-CN" dirty="0"/>
-          </a:p>
-          <a:p>
-            <a:pPr lvl="1"/>
-            <a:endParaRPr lang="en-US" altLang="zh-CN" dirty="0" smtClean="0"/>
           </a:p>
           <a:p>
             <a:r>
@@ -3773,47 +4055,133 @@
             <a:pPr lvl="1"/>
             <a:r>
               <a:rPr lang="en-US" altLang="zh-CN" dirty="0" smtClean="0"/>
-              <a:t>/sys/class/switch2/hall</a:t>
-            </a:r>
-          </a:p>
-          <a:p>
-            <a:pPr lvl="1"/>
-            <a:r>
-              <a:rPr lang="en-US" altLang="zh-CN" dirty="0" smtClean="0"/>
-              <a:t>/sys/class/switch2/</a:t>
-            </a:r>
-            <a:r>
-              <a:rPr lang="en-US" altLang="zh-CN" dirty="0" err="1" smtClean="0"/>
-              <a:t>sec_hall</a:t>
-            </a:r>
-            <a:endParaRPr lang="en-US" altLang="zh-CN" dirty="0" smtClean="0"/>
+              <a:t>/sys/bus/i2c/devices/1-0028</a:t>
+            </a:r>
+          </a:p>
+          <a:p>
+            <a:pPr lvl="1"/>
+            <a:r>
+              <a:rPr lang="en-US" altLang="zh-CN" dirty="0">
+                <a:solidFill>
+                  <a:schemeClr val="bg2"/>
+                </a:solidFill>
+              </a:rPr>
+              <a:t>/sys/bus/i2c/devices/3-0028[N </a:t>
+            </a:r>
+            <a:r>
+              <a:rPr lang="en-US" altLang="zh-CN" dirty="0" smtClean="0">
+                <a:solidFill>
+                  <a:schemeClr val="bg2"/>
+                </a:solidFill>
+              </a:rPr>
+              <a:t>not have]</a:t>
+            </a:r>
           </a:p>
           <a:p>
             <a:pPr lvl="2"/>
             <a:r>
               <a:rPr lang="en-US" altLang="zh-CN" dirty="0" smtClean="0"/>
-              <a:t>State</a:t>
+              <a:t>&amp;</a:t>
+            </a:r>
+            <a:r>
+              <a:rPr lang="en-US" altLang="zh-CN" dirty="0" err="1" smtClean="0"/>
+              <a:t>dev_attr_calibrate.attr</a:t>
+            </a:r>
+            <a:r>
+              <a:rPr lang="en-US" altLang="zh-CN" dirty="0" smtClean="0"/>
+              <a:t>,</a:t>
             </a:r>
           </a:p>
           <a:p>
             <a:pPr lvl="2"/>
             <a:r>
-              <a:rPr lang="en-US" altLang="zh-CN" dirty="0" err="1" smtClean="0"/>
-              <a:t>Uevent</a:t>
-            </a:r>
-            <a:r>
-              <a:rPr lang="en-US" altLang="zh-CN" dirty="0" smtClean="0"/>
-              <a:t>(</a:t>
-            </a:r>
-            <a:r>
-              <a:rPr lang="en-US" altLang="zh-CN" dirty="0" err="1" smtClean="0"/>
-              <a:t>obj_changed</a:t>
-            </a:r>
-            <a:r>
-              <a:rPr lang="en-US" altLang="zh-CN" dirty="0" smtClean="0"/>
-              <a:t>)</a:t>
+              <a:rPr lang="en-US" altLang="zh-CN" dirty="0" smtClean="0"/>
+              <a:t>&amp;</a:t>
+            </a:r>
+            <a:r>
+              <a:rPr lang="en-US" altLang="zh-CN" dirty="0" err="1" smtClean="0"/>
+              <a:t>dev_attr_reg.attr</a:t>
+            </a:r>
+            <a:r>
+              <a:rPr lang="en-US" altLang="zh-CN" dirty="0" smtClean="0"/>
+              <a:t>,</a:t>
+            </a:r>
+          </a:p>
+          <a:p>
+            <a:pPr lvl="2"/>
+            <a:r>
+              <a:rPr lang="en-US" altLang="zh-CN" dirty="0" smtClean="0"/>
+              <a:t>&amp;</a:t>
+            </a:r>
+            <a:r>
+              <a:rPr lang="en-US" altLang="zh-CN" dirty="0" err="1" smtClean="0"/>
+              <a:t>dev_attr_status.attr</a:t>
+            </a:r>
+            <a:r>
+              <a:rPr lang="en-US" altLang="zh-CN" dirty="0" smtClean="0"/>
+              <a:t>,[0.1.2.3]</a:t>
+            </a:r>
+          </a:p>
+          <a:p>
+            <a:pPr lvl="2"/>
+            <a:r>
+              <a:rPr lang="en-US" altLang="zh-CN" dirty="0" smtClean="0"/>
+              <a:t>&amp;</a:t>
+            </a:r>
+            <a:r>
+              <a:rPr lang="en-US" altLang="zh-CN" dirty="0" err="1" smtClean="0"/>
+              <a:t>dev_attr_enable.attr</a:t>
+            </a:r>
+            <a:r>
+              <a:rPr lang="en-US" altLang="zh-CN" dirty="0" smtClean="0"/>
+              <a:t>,</a:t>
+            </a:r>
+          </a:p>
+          <a:p>
+            <a:pPr lvl="2"/>
+            <a:r>
+              <a:rPr lang="en-US" altLang="zh-CN" dirty="0"/>
+              <a:t>&amp;</a:t>
+            </a:r>
+            <a:r>
+              <a:rPr lang="en-US" altLang="zh-CN" dirty="0" err="1" smtClean="0"/>
+              <a:t>dev_attr_sarconfig.attr</a:t>
+            </a:r>
+            <a:r>
+              <a:rPr lang="en-US" altLang="zh-CN" dirty="0"/>
+              <a:t>,</a:t>
             </a:r>
             <a:endParaRPr lang="zh-CN" altLang="en-US" dirty="0"/>
+          </a:p>
+          <a:p>
+            <a:pPr marL="914400" lvl="2" indent="0">
+              <a:buNone/>
+            </a:pPr>
+            <a:endParaRPr lang="zh-CN" altLang="en-US" dirty="0" smtClean="0"/>
+          </a:p>
+          <a:p>
+            <a:pPr lvl="1"/>
+            <a:r>
+              <a:rPr lang="en-US" altLang="zh-CN" dirty="0" smtClean="0">
+                <a:solidFill>
+                  <a:srgbClr val="FF0000"/>
+                </a:solidFill>
+              </a:rPr>
+              <a:t>Store/get </a:t>
+            </a:r>
+            <a:r>
+              <a:rPr lang="zh-CN" altLang="en-US" dirty="0" smtClean="0">
+                <a:solidFill>
+                  <a:srgbClr val="FF0000"/>
+                </a:solidFill>
+              </a:rPr>
+              <a:t>函数没有用锁保护，需添加</a:t>
+            </a:r>
+            <a:endParaRPr lang="zh-CN" altLang="en-US" dirty="0">
+              <a:solidFill>
+                <a:srgbClr val="FF0000"/>
+              </a:solidFill>
+            </a:endParaRPr>
           </a:p>
         </p:txBody>
       </p:sp>
@@ -3866,7 +4234,15 @@
           <a:p>
             <a:r>
               <a:rPr lang="en-US" altLang="zh-CN" dirty="0" smtClean="0"/>
-              <a:t>Other sensors attached to ISH</a:t>
+              <a:t>Hall </a:t>
+            </a:r>
+            <a:r>
+              <a:rPr lang="en-US" altLang="zh-CN" dirty="0" smtClean="0"/>
+              <a:t>Sensor </a:t>
+            </a:r>
+            <a:r>
+              <a:rPr lang="zh-CN" altLang="en-US" dirty="0" smtClean="0"/>
+              <a:t>感应合上，分开</a:t>
             </a:r>
             <a:endParaRPr lang="zh-CN" altLang="en-US" dirty="0"/>
           </a:p>
@@ -3891,109 +4267,107 @@
           <a:p>
             <a:r>
               <a:rPr lang="en-US" altLang="zh-CN" dirty="0" smtClean="0"/>
-              <a:t>ALS</a:t>
-            </a:r>
-          </a:p>
-          <a:p>
-            <a:r>
-              <a:rPr lang="en-US" altLang="zh-CN" dirty="0" err="1" smtClean="0"/>
-              <a:t>Ecompass</a:t>
+              <a:t>driver</a:t>
+            </a:r>
+          </a:p>
+          <a:p>
+            <a:pPr lvl="1"/>
+            <a:r>
+              <a:rPr lang="en-US" altLang="zh-CN" dirty="0" smtClean="0"/>
+              <a:t>Drivers\switch\</a:t>
+            </a:r>
+          </a:p>
+          <a:p>
+            <a:pPr lvl="1"/>
+            <a:r>
+              <a:rPr lang="en-US" altLang="zh-CN" dirty="0" smtClean="0"/>
+              <a:t>arch\x86\platform\intel-mid\</a:t>
+            </a:r>
+            <a:r>
+              <a:rPr lang="en-US" altLang="zh-CN" dirty="0" err="1" smtClean="0"/>
+              <a:t>device_libs</a:t>
+            </a:r>
+            <a:r>
+              <a:rPr lang="en-US" altLang="zh-CN" dirty="0" smtClean="0"/>
+              <a:t>\</a:t>
+            </a:r>
+            <a:r>
+              <a:rPr lang="en-US" altLang="zh-CN" dirty="0" err="1" smtClean="0"/>
+              <a:t>platform_hall.c</a:t>
+            </a:r>
+            <a:r>
+              <a:rPr lang="en-US" altLang="zh-CN" dirty="0" smtClean="0"/>
+              <a:t> </a:t>
+            </a:r>
+          </a:p>
+          <a:p>
+            <a:pPr lvl="1"/>
+            <a:r>
+              <a:rPr lang="en-US" altLang="zh-CN" dirty="0" smtClean="0"/>
+              <a:t>Include\linux\</a:t>
+            </a:r>
+            <a:r>
+              <a:rPr lang="en-US" altLang="zh-CN" dirty="0" err="1" smtClean="0"/>
+              <a:t>switch_hall.c</a:t>
             </a:r>
             <a:endParaRPr lang="en-US" altLang="zh-CN" dirty="0" smtClean="0"/>
           </a:p>
           <a:p>
-            <a:r>
-              <a:rPr lang="en-US" altLang="zh-CN" dirty="0" smtClean="0"/>
-              <a:t>ACC</a:t>
-            </a:r>
-          </a:p>
-          <a:p>
-            <a:r>
-              <a:rPr lang="en-US" altLang="zh-CN" dirty="0" smtClean="0"/>
-              <a:t>Hinge</a:t>
-            </a:r>
-          </a:p>
-          <a:p>
-            <a:endParaRPr lang="en-US" altLang="zh-CN" dirty="0"/>
-          </a:p>
-          <a:p>
+            <a:pPr marL="457200" lvl="1" indent="0">
+              <a:buNone/>
+            </a:pPr>
             <a:endParaRPr lang="en-US" altLang="zh-CN" dirty="0" smtClean="0"/>
           </a:p>
           <a:p>
             <a:r>
               <a:rPr lang="en-US" altLang="zh-CN" dirty="0" smtClean="0"/>
-              <a:t>Tool </a:t>
-            </a:r>
-          </a:p>
-          <a:p>
-            <a:r>
-              <a:rPr lang="en-US" altLang="zh-CN" dirty="0" err="1" smtClean="0"/>
-              <a:t>sensorhub_client</a:t>
-            </a:r>
-            <a:r>
-              <a:rPr lang="en-US" altLang="zh-CN" dirty="0" smtClean="0"/>
-              <a:t> –c1 –</a:t>
-            </a:r>
-            <a:r>
-              <a:rPr lang="en-US" altLang="zh-CN" dirty="0" err="1" smtClean="0"/>
-              <a:t>tACCEL</a:t>
-            </a:r>
-            <a:r>
-              <a:rPr lang="en-US" altLang="zh-CN" dirty="0" smtClean="0"/>
-              <a:t> –r10 –d0[</a:t>
-            </a:r>
-            <a:r>
-              <a:rPr lang="zh-CN" altLang="en-US" dirty="0" smtClean="0"/>
-              <a:t>从</a:t>
-            </a:r>
-            <a:r>
-              <a:rPr lang="en-US" altLang="zh-CN" dirty="0" smtClean="0"/>
-              <a:t>hub</a:t>
-            </a:r>
-            <a:r>
-              <a:rPr lang="zh-CN" altLang="en-US" dirty="0" smtClean="0"/>
-              <a:t>拿到的数据</a:t>
-            </a:r>
-            <a:r>
-              <a:rPr lang="en-US" altLang="zh-CN" dirty="0" smtClean="0"/>
-              <a:t>]</a:t>
-            </a:r>
-          </a:p>
-          <a:p>
-            <a:r>
-              <a:rPr lang="en-US" altLang="zh-CN" dirty="0" err="1" smtClean="0"/>
-              <a:t>Dumpsys</a:t>
-            </a:r>
-            <a:r>
-              <a:rPr lang="en-US" altLang="zh-CN" dirty="0" smtClean="0"/>
-              <a:t> </a:t>
-            </a:r>
-            <a:r>
-              <a:rPr lang="en-US" altLang="zh-CN" dirty="0" err="1" smtClean="0"/>
-              <a:t>sensorservice</a:t>
-            </a:r>
-            <a:r>
-              <a:rPr lang="en-US" altLang="zh-CN" dirty="0" smtClean="0"/>
-              <a:t>[</a:t>
-            </a:r>
-            <a:r>
-              <a:rPr lang="zh-CN" altLang="en-US" dirty="0" smtClean="0"/>
-              <a:t>从</a:t>
-            </a:r>
-            <a:r>
-              <a:rPr lang="en-US" altLang="zh-CN" dirty="0" err="1" smtClean="0"/>
-              <a:t>hal</a:t>
-            </a:r>
-            <a:r>
-              <a:rPr lang="zh-CN" altLang="en-US" dirty="0" smtClean="0"/>
-              <a:t>拿到的数据</a:t>
-            </a:r>
-            <a:r>
-              <a:rPr lang="en-US" altLang="zh-CN" dirty="0" smtClean="0"/>
-              <a:t>]</a:t>
-            </a:r>
-          </a:p>
-          <a:p>
+              <a:t>Device node</a:t>
+            </a:r>
+          </a:p>
+          <a:p>
+            <a:pPr lvl="1"/>
+            <a:r>
+              <a:rPr lang="en-US" altLang="zh-CN" dirty="0" smtClean="0"/>
+              <a:t>/sys/class/switch2/hall</a:t>
+            </a:r>
+          </a:p>
+          <a:p>
+            <a:pPr lvl="1"/>
+            <a:r>
+              <a:rPr lang="en-US" altLang="zh-CN" dirty="0" smtClean="0"/>
+              <a:t>/sys/class/switch2/</a:t>
+            </a:r>
+            <a:r>
+              <a:rPr lang="en-US" altLang="zh-CN" dirty="0" err="1" smtClean="0"/>
+              <a:t>sec_hall</a:t>
+            </a:r>
+            <a:endParaRPr lang="en-US" altLang="zh-CN" dirty="0" smtClean="0"/>
+          </a:p>
+          <a:p>
+            <a:pPr lvl="2"/>
+            <a:r>
+              <a:rPr lang="en-US" altLang="zh-CN" dirty="0" smtClean="0"/>
+              <a:t>State</a:t>
+            </a:r>
+          </a:p>
+          <a:p>
+            <a:pPr lvl="2"/>
+            <a:r>
+              <a:rPr lang="en-US" altLang="zh-CN" dirty="0" err="1" smtClean="0"/>
+              <a:t>Uevent</a:t>
+            </a:r>
+            <a:r>
+              <a:rPr lang="en-US" altLang="zh-CN" dirty="0" smtClean="0"/>
+              <a:t>(</a:t>
+            </a:r>
+            <a:r>
+              <a:rPr lang="en-US" altLang="zh-CN" dirty="0" err="1" smtClean="0"/>
+              <a:t>obj_changed</a:t>
+            </a:r>
+            <a:r>
+              <a:rPr lang="en-US" altLang="zh-CN" dirty="0" smtClean="0"/>
+              <a:t>)</a:t>
+            </a:r>
             <a:endParaRPr lang="zh-CN" altLang="en-US" dirty="0"/>
           </a:p>
         </p:txBody>
@@ -4003,6 +4377,13 @@
   <p:clrMapOvr>
     <a:masterClrMapping/>
   </p:clrMapOvr>
+  <p:timing>
+    <p:tnLst>
+      <p:par>
+        <p:cTn id="1" dur="indefinite" restart="never" nodeType="tmRoot"/>
+      </p:par>
+    </p:tnLst>
+  </p:timing>
 </p:sld>
 </file>
 
@@ -4040,7 +4421,7 @@
           <a:p>
             <a:r>
               <a:rPr lang="en-US" altLang="zh-CN" dirty="0" smtClean="0"/>
-              <a:t>Vibrators</a:t>
+              <a:t>Other sensors attached to ISH</a:t>
             </a:r>
             <a:endParaRPr lang="zh-CN" altLang="en-US" dirty="0"/>
           </a:p>
@@ -4056,246 +4437,118 @@
             <p:ph idx="1"/>
           </p:nvPr>
         </p:nvSpPr>
-        <p:spPr>
-          <a:xfrm>
-            <a:off x="457200" y="1268760"/>
-            <a:ext cx="8229600" cy="5589240"/>
-          </a:xfrm>
-        </p:spPr>
+        <p:spPr/>
         <p:txBody>
           <a:bodyPr>
-            <a:normAutofit fontScale="55000" lnSpcReduction="20000"/>
+            <a:normAutofit fontScale="92500" lnSpcReduction="20000"/>
           </a:bodyPr>
           <a:lstStyle/>
           <a:p>
             <a:r>
               <a:rPr lang="en-US" altLang="zh-CN" dirty="0" smtClean="0"/>
-              <a:t>driver</a:t>
-            </a:r>
-          </a:p>
-          <a:p>
-            <a:pPr lvl="1"/>
-            <a:r>
-              <a:rPr lang="en-US" altLang="zh-CN" dirty="0" smtClean="0"/>
-              <a:t>drivers\input\</a:t>
-            </a:r>
-            <a:r>
-              <a:rPr lang="en-US" altLang="zh-CN" dirty="0" err="1" smtClean="0"/>
-              <a:t>misc</a:t>
-            </a:r>
-            <a:r>
-              <a:rPr lang="en-US" altLang="zh-CN" dirty="0" smtClean="0"/>
-              <a:t>\drv2604l_haptics.c</a:t>
-            </a:r>
-          </a:p>
-          <a:p>
-            <a:pPr lvl="1"/>
-            <a:r>
-              <a:rPr lang="en-US" altLang="zh-CN" dirty="0" smtClean="0"/>
-              <a:t> arch\x86\platform\intel-mid\</a:t>
-            </a:r>
-            <a:r>
-              <a:rPr lang="en-US" altLang="zh-CN" dirty="0" err="1" smtClean="0"/>
-              <a:t>device_libs</a:t>
-            </a:r>
-            <a:r>
-              <a:rPr lang="en-US" altLang="zh-CN" dirty="0" smtClean="0"/>
-              <a:t>\ platform_haptics_2604l.c</a:t>
-            </a:r>
-          </a:p>
-          <a:p>
-            <a:pPr lvl="1"/>
-            <a:r>
-              <a:rPr lang="en-US" altLang="zh-CN" dirty="0" smtClean="0"/>
-              <a:t>Include\linux\</a:t>
-            </a:r>
-            <a:r>
-              <a:rPr lang="en-US" altLang="zh-CN" dirty="0" err="1" smtClean="0"/>
-              <a:t>haptics</a:t>
-            </a:r>
-            <a:r>
-              <a:rPr lang="en-US" altLang="zh-CN" dirty="0" smtClean="0"/>
-              <a:t>\drv2604l.h</a:t>
-            </a:r>
-          </a:p>
-          <a:p>
-            <a:pPr lvl="1"/>
-            <a:r>
-              <a:rPr lang="en-US" altLang="zh-CN" dirty="0" smtClean="0"/>
-              <a:t>Drivers\input\</a:t>
-            </a:r>
-            <a:r>
-              <a:rPr lang="en-US" altLang="zh-CN" dirty="0" err="1" smtClean="0"/>
-              <a:t>misc</a:t>
-            </a:r>
-            <a:r>
-              <a:rPr lang="en-US" altLang="zh-CN" dirty="0" smtClean="0"/>
-              <a:t>\</a:t>
-            </a:r>
-            <a:r>
-              <a:rPr lang="en-US" altLang="zh-CN" dirty="0" err="1" smtClean="0"/>
-              <a:t>touchsensor</a:t>
-            </a:r>
-            <a:r>
-              <a:rPr lang="en-US" altLang="zh-CN" dirty="0" smtClean="0"/>
-              <a:t>\</a:t>
-            </a:r>
-          </a:p>
-          <a:p>
-            <a:pPr marL="457200" lvl="1" indent="0">
-              <a:buNone/>
-            </a:pPr>
+              <a:t>ALS</a:t>
+            </a:r>
+          </a:p>
+          <a:p>
+            <a:r>
+              <a:rPr lang="en-US" altLang="zh-CN" dirty="0" err="1" smtClean="0"/>
+              <a:t>Ecompass</a:t>
+            </a:r>
             <a:endParaRPr lang="en-US" altLang="zh-CN" dirty="0" smtClean="0"/>
           </a:p>
           <a:p>
-            <a:pPr marL="514350" indent="-457200"/>
-            <a:r>
-              <a:rPr lang="en-US" altLang="zh-CN" dirty="0" smtClean="0"/>
-              <a:t>Firmware</a:t>
-            </a:r>
-          </a:p>
-          <a:p>
-            <a:pPr marL="57150" indent="0">
-              <a:buNone/>
-            </a:pPr>
-            <a:r>
-              <a:rPr lang="en-US" altLang="zh-CN" dirty="0" smtClean="0"/>
-              <a:t>        -    firmware\drv2604.bin.ihex</a:t>
-            </a:r>
-          </a:p>
-          <a:p>
-            <a:pPr marL="57150" indent="0">
-              <a:buNone/>
-            </a:pPr>
+            <a:r>
+              <a:rPr lang="en-US" altLang="zh-CN" dirty="0" smtClean="0"/>
+              <a:t>ACC</a:t>
+            </a:r>
+          </a:p>
+          <a:p>
+            <a:r>
+              <a:rPr lang="en-US" altLang="zh-CN" dirty="0" smtClean="0"/>
+              <a:t>Hinge</a:t>
+            </a:r>
+          </a:p>
+          <a:p>
+            <a:endParaRPr lang="en-US" altLang="zh-CN" dirty="0"/>
+          </a:p>
+          <a:p>
             <a:endParaRPr lang="en-US" altLang="zh-CN" dirty="0" smtClean="0"/>
           </a:p>
           <a:p>
             <a:r>
               <a:rPr lang="en-US" altLang="zh-CN" dirty="0" smtClean="0"/>
-              <a:t>Device node</a:t>
-            </a:r>
-          </a:p>
-          <a:p>
-            <a:pPr lvl="1"/>
-            <a:r>
-              <a:rPr lang="en-US" altLang="zh-CN" dirty="0" smtClean="0"/>
-              <a:t>/sys/bus/i2c/devices/0-005a</a:t>
-            </a:r>
-          </a:p>
-          <a:p>
-            <a:pPr lvl="1"/>
-            <a:r>
-              <a:rPr lang="en-US" altLang="zh-CN" dirty="0" smtClean="0"/>
-              <a:t>/sys/bus/i2c/devices/3-005a</a:t>
-            </a:r>
-          </a:p>
-          <a:p>
-            <a:pPr lvl="1"/>
-            <a:r>
-              <a:rPr lang="en-US" altLang="zh-CN" dirty="0" smtClean="0"/>
-              <a:t>/sys/class/drv2604L/drv2604L_0</a:t>
-            </a:r>
-          </a:p>
-          <a:p>
-            <a:pPr lvl="1"/>
-            <a:r>
-              <a:rPr lang="en-US" altLang="zh-CN" dirty="0" smtClean="0"/>
-              <a:t>/sys/class/drv2604L/drv2604L_1</a:t>
-            </a:r>
-          </a:p>
-          <a:p>
-            <a:pPr lvl="2"/>
-            <a:r>
-              <a:rPr lang="en-US" altLang="zh-CN" dirty="0" smtClean="0"/>
-              <a:t>Fops-</a:t>
-            </a:r>
-            <a:r>
-              <a:rPr lang="en-US" altLang="zh-CN" dirty="0" smtClean="0">
-                <a:sym typeface="Wingdings" pitchFamily="2" charset="2"/>
-              </a:rPr>
-              <a:t></a:t>
-            </a:r>
-            <a:r>
-              <a:rPr lang="en-US" altLang="zh-CN" dirty="0" err="1" smtClean="0">
-                <a:sym typeface="Wingdings" pitchFamily="2" charset="2"/>
-              </a:rPr>
-              <a:t>open,close,write</a:t>
-            </a:r>
-            <a:endParaRPr lang="en-US" altLang="zh-CN" dirty="0" smtClean="0"/>
-          </a:p>
-          <a:p>
-            <a:pPr lvl="1"/>
-            <a:r>
-              <a:rPr lang="en-US" altLang="zh-CN" dirty="0" smtClean="0"/>
-              <a:t>/sys/class/switch2/haptics_0</a:t>
-            </a:r>
-          </a:p>
-          <a:p>
-            <a:pPr lvl="1"/>
-            <a:r>
-              <a:rPr lang="en-US" altLang="zh-CN" dirty="0" smtClean="0"/>
-              <a:t>/sys/class/switch2/haptics_1</a:t>
-            </a:r>
-          </a:p>
-          <a:p>
-            <a:pPr lvl="2"/>
-            <a:r>
-              <a:rPr lang="en-US" altLang="zh-CN" dirty="0" smtClean="0"/>
-              <a:t>state</a:t>
-            </a:r>
-          </a:p>
-          <a:p>
-            <a:pPr lvl="1"/>
-            <a:r>
-              <a:rPr lang="en-US" altLang="zh-CN" dirty="0" smtClean="0"/>
-              <a:t>/sys/class/</a:t>
-            </a:r>
-            <a:r>
-              <a:rPr lang="en-US" altLang="zh-CN" dirty="0" err="1" smtClean="0"/>
-              <a:t>timed_output</a:t>
-            </a:r>
-            <a:r>
-              <a:rPr lang="en-US" altLang="zh-CN" dirty="0" smtClean="0"/>
-              <a:t>/vibrator_0</a:t>
-            </a:r>
-          </a:p>
-          <a:p>
-            <a:pPr lvl="1"/>
-            <a:r>
-              <a:rPr lang="en-US" altLang="zh-CN" dirty="0" smtClean="0"/>
-              <a:t>/sys/class/</a:t>
-            </a:r>
-            <a:r>
-              <a:rPr lang="en-US" altLang="zh-CN" dirty="0" err="1" smtClean="0"/>
-              <a:t>timed_output</a:t>
-            </a:r>
-            <a:r>
-              <a:rPr lang="en-US" altLang="zh-CN" dirty="0" smtClean="0"/>
-              <a:t>/vibrator_1</a:t>
-            </a:r>
-          </a:p>
-          <a:p>
-            <a:pPr lvl="2"/>
-            <a:r>
-              <a:rPr lang="en-US" altLang="zh-CN" dirty="0" err="1" smtClean="0"/>
-              <a:t>vibrator_get_time</a:t>
-            </a:r>
-            <a:endParaRPr lang="en-US" altLang="zh-CN" dirty="0" smtClean="0"/>
-          </a:p>
-          <a:p>
-            <a:pPr lvl="2"/>
-            <a:r>
-              <a:rPr lang="en-US" altLang="zh-CN" dirty="0" err="1" smtClean="0"/>
-              <a:t>vibrator_enable</a:t>
-            </a:r>
-            <a:endParaRPr lang="en-US" altLang="zh-CN" dirty="0" smtClean="0"/>
-          </a:p>
-          <a:p>
-            <a:pPr lvl="1"/>
-            <a:endParaRPr lang="en-US" altLang="zh-CN" dirty="0" smtClean="0"/>
-          </a:p>
-          <a:p>
-            <a:pPr lvl="1"/>
+              <a:t>Tool </a:t>
+            </a:r>
+          </a:p>
+          <a:p>
+            <a:r>
+              <a:rPr lang="en-US" altLang="zh-CN" dirty="0" err="1" smtClean="0"/>
+              <a:t>sensorhub_client</a:t>
+            </a:r>
+            <a:r>
+              <a:rPr lang="en-US" altLang="zh-CN" dirty="0" smtClean="0"/>
+              <a:t> –c1 –</a:t>
+            </a:r>
+            <a:r>
+              <a:rPr lang="en-US" altLang="zh-CN" dirty="0" err="1" smtClean="0"/>
+              <a:t>tACCEL</a:t>
+            </a:r>
+            <a:r>
+              <a:rPr lang="en-US" altLang="zh-CN" dirty="0" smtClean="0"/>
+              <a:t> –r10 –d0[</a:t>
+            </a:r>
+            <a:r>
+              <a:rPr lang="zh-CN" altLang="en-US" dirty="0" smtClean="0"/>
+              <a:t>从</a:t>
+            </a:r>
+            <a:r>
+              <a:rPr lang="en-US" altLang="zh-CN" dirty="0" smtClean="0"/>
+              <a:t>hub</a:t>
+            </a:r>
+            <a:r>
+              <a:rPr lang="zh-CN" altLang="en-US" dirty="0" smtClean="0"/>
+              <a:t>拿到的数据</a:t>
+            </a:r>
+            <a:r>
+              <a:rPr lang="en-US" altLang="zh-CN" dirty="0" smtClean="0"/>
+              <a:t>]</a:t>
+            </a:r>
+          </a:p>
+          <a:p>
+            <a:r>
+              <a:rPr lang="en-US" altLang="zh-CN" dirty="0" err="1" smtClean="0"/>
+              <a:t>Dumpsys</a:t>
+            </a:r>
+            <a:r>
+              <a:rPr lang="en-US" altLang="zh-CN" dirty="0" smtClean="0"/>
+              <a:t> </a:t>
+            </a:r>
+            <a:r>
+              <a:rPr lang="en-US" altLang="zh-CN" dirty="0" err="1" smtClean="0"/>
+              <a:t>sensorservice</a:t>
+            </a:r>
+            <a:r>
+              <a:rPr lang="en-US" altLang="zh-CN" dirty="0" smtClean="0"/>
+              <a:t>[</a:t>
+            </a:r>
+            <a:r>
+              <a:rPr lang="zh-CN" altLang="en-US" dirty="0" smtClean="0"/>
+              <a:t>从</a:t>
+            </a:r>
+            <a:r>
+              <a:rPr lang="en-US" altLang="zh-CN" dirty="0" err="1" smtClean="0"/>
+              <a:t>hal</a:t>
+            </a:r>
+            <a:r>
+              <a:rPr lang="zh-CN" altLang="en-US" dirty="0" smtClean="0"/>
+              <a:t>拿到的数据</a:t>
+            </a:r>
+            <a:r>
+              <a:rPr lang="en-US" altLang="zh-CN" dirty="0" smtClean="0"/>
+              <a:t>]</a:t>
+            </a:r>
+          </a:p>
+          <a:p>
             <a:endParaRPr lang="zh-CN" altLang="en-US" dirty="0"/>
           </a:p>
         </p:txBody>
@@ -4305,13 +4558,6 @@
   <p:clrMapOvr>
     <a:masterClrMapping/>
   </p:clrMapOvr>
-  <p:timing>
-    <p:tnLst>
-      <p:par>
-        <p:cTn id="1" dur="indefinite" restart="never" nodeType="tmRoot"/>
-      </p:par>
-    </p:tnLst>
-  </p:timing>
 </p:sld>
 </file>
 
@@ -4349,7 +4595,7 @@
           <a:p>
             <a:r>
               <a:rPr lang="en-US" altLang="zh-CN" dirty="0" smtClean="0"/>
-              <a:t>LED-keyboard</a:t>
+              <a:t>Vibrators</a:t>
             </a:r>
             <a:endParaRPr lang="zh-CN" altLang="en-US" dirty="0"/>
           </a:p>
@@ -4365,10 +4611,15 @@
             <p:ph idx="1"/>
           </p:nvPr>
         </p:nvSpPr>
-        <p:spPr/>
+        <p:spPr>
+          <a:xfrm>
+            <a:off x="457200" y="1268760"/>
+            <a:ext cx="8229600" cy="5589240"/>
+          </a:xfrm>
+        </p:spPr>
         <p:txBody>
           <a:bodyPr>
-            <a:normAutofit lnSpcReduction="10000"/>
+            <a:normAutofit fontScale="47500" lnSpcReduction="20000"/>
           </a:bodyPr>
           <a:lstStyle/>
           <a:p>
@@ -4381,55 +4632,204 @@
             <a:pPr lvl="1"/>
             <a:r>
               <a:rPr lang="en-US" altLang="zh-CN" dirty="0" smtClean="0"/>
+              <a:t>drivers\input\</a:t>
+            </a:r>
+            <a:r>
+              <a:rPr lang="en-US" altLang="zh-CN" dirty="0" err="1" smtClean="0"/>
+              <a:t>misc</a:t>
+            </a:r>
+            <a:r>
+              <a:rPr lang="en-US" altLang="zh-CN" dirty="0" smtClean="0"/>
+              <a:t>\drv2604l_haptics.c</a:t>
+            </a:r>
+          </a:p>
+          <a:p>
+            <a:pPr lvl="1"/>
+            <a:r>
+              <a:rPr lang="en-US" altLang="zh-CN" dirty="0" smtClean="0"/>
+              <a:t> arch\x86\platform\intel-mid\</a:t>
+            </a:r>
+            <a:r>
+              <a:rPr lang="en-US" altLang="zh-CN" dirty="0" err="1" smtClean="0"/>
+              <a:t>device_libs</a:t>
+            </a:r>
+            <a:r>
+              <a:rPr lang="en-US" altLang="zh-CN" dirty="0" smtClean="0"/>
+              <a:t>\ platform_haptics_2604l.c</a:t>
+            </a:r>
+          </a:p>
+          <a:p>
+            <a:pPr lvl="1"/>
+            <a:r>
+              <a:rPr lang="en-US" altLang="zh-CN" dirty="0" smtClean="0"/>
+              <a:t>Include\linux\</a:t>
+            </a:r>
+            <a:r>
+              <a:rPr lang="en-US" altLang="zh-CN" dirty="0" err="1" smtClean="0"/>
+              <a:t>haptics</a:t>
+            </a:r>
+            <a:r>
+              <a:rPr lang="en-US" altLang="zh-CN" dirty="0" smtClean="0"/>
+              <a:t>\drv2604l.h</a:t>
+            </a:r>
+          </a:p>
+          <a:p>
+            <a:pPr lvl="1"/>
+            <a:r>
+              <a:rPr lang="en-US" altLang="zh-CN" dirty="0" smtClean="0"/>
+              <a:t>Drivers\input\</a:t>
+            </a:r>
+            <a:r>
+              <a:rPr lang="en-US" altLang="zh-CN" dirty="0" err="1" smtClean="0"/>
+              <a:t>misc</a:t>
+            </a:r>
+            <a:r>
+              <a:rPr lang="en-US" altLang="zh-CN" dirty="0" smtClean="0"/>
+              <a:t>\</a:t>
+            </a:r>
+            <a:r>
+              <a:rPr lang="en-US" altLang="zh-CN" dirty="0" err="1" smtClean="0"/>
+              <a:t>touchsensor</a:t>
+            </a:r>
+            <a:r>
+              <a:rPr lang="en-US" altLang="zh-CN" dirty="0" smtClean="0"/>
+              <a:t>\</a:t>
+            </a:r>
+          </a:p>
+          <a:p>
+            <a:pPr lvl="1"/>
+            <a:r>
+              <a:rPr lang="en-US" altLang="zh-CN" dirty="0" smtClean="0"/>
+              <a:t>Hardware/</a:t>
+            </a:r>
+            <a:r>
+              <a:rPr lang="en-US" altLang="zh-CN" dirty="0" err="1" smtClean="0"/>
+              <a:t>libhardware</a:t>
+            </a:r>
+            <a:r>
+              <a:rPr lang="en-US" altLang="zh-CN" dirty="0" smtClean="0"/>
+              <a:t>/modules/vibrator/</a:t>
+            </a:r>
+            <a:endParaRPr lang="en-US" altLang="zh-CN" dirty="0" smtClean="0"/>
+          </a:p>
+          <a:p>
+            <a:pPr lvl="1"/>
+            <a:r>
+              <a:rPr lang="en-US" altLang="zh-CN" dirty="0" smtClean="0"/>
+              <a:t>external/</a:t>
+            </a:r>
+            <a:r>
+              <a:rPr lang="en-US" altLang="zh-CN" dirty="0" err="1" smtClean="0"/>
+              <a:t>touchsense</a:t>
+            </a:r>
+            <a:r>
+              <a:rPr lang="en-US" altLang="zh-CN" dirty="0" smtClean="0"/>
               <a:t>/</a:t>
             </a:r>
-            <a:r>
-              <a:rPr lang="en-US" altLang="zh-CN" dirty="0"/>
-              <a:t>drivers/</a:t>
-            </a:r>
-            <a:r>
-              <a:rPr lang="en-US" altLang="zh-CN" dirty="0" err="1"/>
-              <a:t>leds</a:t>
-            </a:r>
-            <a:r>
-              <a:rPr lang="en-US" altLang="zh-CN" dirty="0"/>
-              <a:t>/leds-tps61163a.c </a:t>
-            </a:r>
+            <a:endParaRPr lang="en-US" altLang="zh-CN" dirty="0"/>
+          </a:p>
+          <a:p>
+            <a:pPr marL="457200" lvl="1" indent="0">
+              <a:buNone/>
+            </a:pPr>
             <a:endParaRPr lang="en-US" altLang="zh-CN" dirty="0" smtClean="0"/>
           </a:p>
           <a:p>
-            <a:pPr lvl="1"/>
-            <a:r>
-              <a:rPr lang="en-US" altLang="zh-CN" dirty="0" smtClean="0"/>
-              <a:t> arch\x86\platform\intel-mid\</a:t>
-            </a:r>
-            <a:r>
-              <a:rPr lang="en-US" altLang="zh-CN" dirty="0" err="1" smtClean="0"/>
-              <a:t>device_libs</a:t>
-            </a:r>
-            <a:r>
-              <a:rPr lang="en-US" altLang="zh-CN" dirty="0" smtClean="0"/>
-              <a:t>\ platform_tps61163a.c</a:t>
-            </a:r>
-          </a:p>
-          <a:p>
-            <a:pPr lvl="1"/>
-            <a:r>
-              <a:rPr lang="en-US" altLang="zh-CN" dirty="0" smtClean="0"/>
-              <a:t>Include/linux/</a:t>
-            </a:r>
-            <a:r>
-              <a:rPr lang="en-US" altLang="zh-CN" dirty="0" err="1" smtClean="0"/>
-              <a:t>leds_pwm.h</a:t>
-            </a:r>
+            <a:pPr marL="514350" indent="-457200"/>
+            <a:r>
+              <a:rPr lang="en-US" altLang="zh-CN" dirty="0" smtClean="0"/>
+              <a:t>Firmware</a:t>
+            </a:r>
+          </a:p>
+          <a:p>
+            <a:pPr marL="57150" indent="0">
+              <a:buNone/>
+            </a:pPr>
+            <a:r>
+              <a:rPr lang="en-US" altLang="zh-CN" dirty="0" smtClean="0"/>
+              <a:t>        -    firmware\drv2604.bin.ihex</a:t>
+            </a:r>
+          </a:p>
+          <a:p>
+            <a:pPr marL="57150" indent="0">
+              <a:buNone/>
+            </a:pPr>
             <a:endParaRPr lang="en-US" altLang="zh-CN" dirty="0" smtClean="0"/>
           </a:p>
           <a:p>
             <a:r>
-              <a:rPr lang="en-US" altLang="zh-CN" b="1" dirty="0" smtClean="0"/>
+              <a:rPr lang="en-US" altLang="zh-CN" dirty="0" smtClean="0"/>
               <a:t>Device node</a:t>
             </a:r>
-            <a:endParaRPr lang="zh-CN" altLang="zh-CN" dirty="0" smtClean="0"/>
+          </a:p>
+          <a:p>
+            <a:pPr lvl="1"/>
+            <a:r>
+              <a:rPr lang="en-US" altLang="zh-CN" dirty="0" smtClean="0"/>
+              <a:t>/sys/bus/i2c/devices/0-005a</a:t>
+            </a:r>
+          </a:p>
+          <a:p>
+            <a:pPr lvl="1"/>
+            <a:r>
+              <a:rPr lang="en-US" altLang="zh-CN" dirty="0" smtClean="0"/>
+              <a:t>/sys/bus/i2c/devices/3-005a</a:t>
+            </a:r>
+          </a:p>
+          <a:p>
+            <a:pPr lvl="1"/>
+            <a:r>
+              <a:rPr lang="en-US" altLang="zh-CN" dirty="0" smtClean="0"/>
+              <a:t>/sys/class/drv2604L/drv2604L_0</a:t>
+            </a:r>
+          </a:p>
+          <a:p>
+            <a:pPr lvl="1"/>
+            <a:r>
+              <a:rPr lang="en-US" altLang="zh-CN" dirty="0" smtClean="0"/>
+              <a:t>/sys/class/drv2604L/drv2604L_1</a:t>
+            </a:r>
+          </a:p>
+          <a:p>
+            <a:pPr lvl="2"/>
+            <a:r>
+              <a:rPr lang="en-US" altLang="zh-CN" dirty="0" smtClean="0"/>
+              <a:t>Fops-</a:t>
+            </a:r>
+            <a:r>
+              <a:rPr lang="en-US" altLang="zh-CN" dirty="0" smtClean="0">
+                <a:sym typeface="Wingdings" pitchFamily="2" charset="2"/>
+              </a:rPr>
+              <a:t></a:t>
+            </a:r>
+            <a:r>
+              <a:rPr lang="en-US" altLang="zh-CN" dirty="0" err="1" smtClean="0">
+                <a:sym typeface="Wingdings" pitchFamily="2" charset="2"/>
+              </a:rPr>
+              <a:t>open,close,write</a:t>
+            </a:r>
+            <a:endParaRPr lang="en-US" altLang="zh-CN" dirty="0" smtClean="0"/>
+          </a:p>
+          <a:p>
+            <a:pPr lvl="1"/>
+            <a:r>
+              <a:rPr lang="en-US" altLang="zh-CN" dirty="0" smtClean="0"/>
+              <a:t>/sys/class/switch2/haptics_0</a:t>
+            </a:r>
+          </a:p>
+          <a:p>
+            <a:pPr lvl="1"/>
+            <a:r>
+              <a:rPr lang="en-US" altLang="zh-CN" dirty="0" smtClean="0"/>
+              <a:t>/sys/class/switch2/haptics_1</a:t>
+            </a:r>
+          </a:p>
+          <a:p>
+            <a:pPr lvl="2"/>
+            <a:r>
+              <a:rPr lang="en-US" altLang="zh-CN" dirty="0" smtClean="0"/>
+              <a:t>state</a:t>
+            </a:r>
           </a:p>
           <a:p>
             <a:pPr lvl="1"/>
@@ -4439,19 +4839,50 @@
             </a:r>
             <a:r>
               <a:rPr lang="en-US" altLang="zh-CN" dirty="0" err="1" smtClean="0"/>
-              <a:t>leds</a:t>
-            </a:r>
-            <a:r>
-              <a:rPr lang="en-US" altLang="zh-CN" dirty="0" smtClean="0"/>
-              <a:t>/keyboard-led</a:t>
-            </a:r>
-          </a:p>
-          <a:p>
-            <a:pPr lvl="1"/>
-            <a:r>
-              <a:rPr lang="en-US" altLang="zh-CN" dirty="0" smtClean="0"/>
-              <a:t>Framework to ctrl this LED when switch EMR and keyboard mode</a:t>
-            </a:r>
+              <a:t>timed_output</a:t>
+            </a:r>
+            <a:r>
+              <a:rPr lang="en-US" altLang="zh-CN" dirty="0" smtClean="0"/>
+              <a:t>/vibrator_0</a:t>
+            </a:r>
+          </a:p>
+          <a:p>
+            <a:pPr lvl="1"/>
+            <a:r>
+              <a:rPr lang="en-US" altLang="zh-CN" dirty="0" smtClean="0"/>
+              <a:t>/sys/class/</a:t>
+            </a:r>
+            <a:r>
+              <a:rPr lang="en-US" altLang="zh-CN" dirty="0" err="1" smtClean="0"/>
+              <a:t>timed_output</a:t>
+            </a:r>
+            <a:r>
+              <a:rPr lang="en-US" altLang="zh-CN" dirty="0" smtClean="0"/>
+              <a:t>/vibrator_1</a:t>
+            </a:r>
+          </a:p>
+          <a:p>
+            <a:pPr lvl="2"/>
+            <a:r>
+              <a:rPr lang="en-US" altLang="zh-CN" dirty="0" err="1" smtClean="0"/>
+              <a:t>vibrator_get_time</a:t>
+            </a:r>
+            <a:endParaRPr lang="en-US" altLang="zh-CN" dirty="0" smtClean="0"/>
+          </a:p>
+          <a:p>
+            <a:pPr lvl="2"/>
+            <a:r>
+              <a:rPr lang="en-US" altLang="zh-CN" dirty="0" err="1" smtClean="0"/>
+              <a:t>vibrator_enable</a:t>
+            </a:r>
+            <a:endParaRPr lang="en-US" altLang="zh-CN" dirty="0" smtClean="0"/>
+          </a:p>
+          <a:p>
+            <a:pPr lvl="1"/>
+            <a:endParaRPr lang="en-US" altLang="zh-CN" dirty="0" smtClean="0"/>
+          </a:p>
+          <a:p>
+            <a:pPr lvl="1"/>
             <a:endParaRPr lang="zh-CN" altLang="en-US" dirty="0"/>
           </a:p>
         </p:txBody>
@@ -4505,7 +4936,7 @@
           <a:p>
             <a:r>
               <a:rPr lang="en-US" altLang="zh-CN" dirty="0" smtClean="0"/>
-              <a:t>LED-charging</a:t>
+              <a:t>LED-keyboard</a:t>
             </a:r>
             <a:endParaRPr lang="zh-CN" altLang="en-US" dirty="0"/>
           </a:p>
@@ -4523,20 +4954,90 @@
         </p:nvSpPr>
         <p:spPr/>
         <p:txBody>
-          <a:bodyPr/>
-          <a:lstStyle/>
-          <a:p>
-            <a:r>
-              <a:rPr lang="en-US" altLang="zh-CN" dirty="0" smtClean="0"/>
-              <a:t>PMIC </a:t>
-            </a:r>
-            <a:r>
-              <a:rPr lang="en-US" altLang="zh-CN" dirty="0" err="1" smtClean="0"/>
-              <a:t>provide,also</a:t>
-            </a:r>
-            <a:r>
-              <a:rPr lang="en-US" altLang="zh-CN" dirty="0" smtClean="0"/>
-              <a:t> need to merge it</a:t>
+          <a:bodyPr>
+            <a:normAutofit lnSpcReduction="10000"/>
+          </a:bodyPr>
+          <a:lstStyle/>
+          <a:p>
+            <a:r>
+              <a:rPr lang="en-US" altLang="zh-CN" dirty="0" smtClean="0"/>
+              <a:t>driver</a:t>
+            </a:r>
+          </a:p>
+          <a:p>
+            <a:pPr lvl="1"/>
+            <a:r>
+              <a:rPr lang="en-US" altLang="zh-CN" dirty="0" smtClean="0"/>
+              <a:t>/</a:t>
+            </a:r>
+            <a:r>
+              <a:rPr lang="en-US" altLang="zh-CN" dirty="0"/>
+              <a:t>drivers/</a:t>
+            </a:r>
+            <a:r>
+              <a:rPr lang="en-US" altLang="zh-CN" dirty="0" err="1"/>
+              <a:t>leds</a:t>
+            </a:r>
+            <a:r>
+              <a:rPr lang="en-US" altLang="zh-CN" dirty="0"/>
+              <a:t>/leds-tps61163a.c </a:t>
+            </a:r>
+            <a:endParaRPr lang="en-US" altLang="zh-CN" dirty="0" smtClean="0"/>
+          </a:p>
+          <a:p>
+            <a:pPr lvl="1"/>
+            <a:r>
+              <a:rPr lang="en-US" altLang="zh-CN" dirty="0" smtClean="0"/>
+              <a:t> arch\x86\platform\intel-mid\</a:t>
+            </a:r>
+            <a:r>
+              <a:rPr lang="en-US" altLang="zh-CN" dirty="0" err="1" smtClean="0"/>
+              <a:t>device_libs</a:t>
+            </a:r>
+            <a:r>
+              <a:rPr lang="en-US" altLang="zh-CN" dirty="0" smtClean="0"/>
+              <a:t>\ platform_tps61163a.c</a:t>
+            </a:r>
+          </a:p>
+          <a:p>
+            <a:pPr lvl="1"/>
+            <a:r>
+              <a:rPr lang="en-US" altLang="zh-CN" dirty="0" smtClean="0"/>
+              <a:t>Include/linux/</a:t>
+            </a:r>
+            <a:r>
+              <a:rPr lang="en-US" altLang="zh-CN" dirty="0" err="1" smtClean="0"/>
+              <a:t>leds_pwm.h</a:t>
+            </a:r>
+            <a:endParaRPr lang="en-US" altLang="zh-CN" dirty="0" smtClean="0"/>
+          </a:p>
+          <a:p>
+            <a:r>
+              <a:rPr lang="en-US" altLang="zh-CN" b="1" dirty="0" smtClean="0"/>
+              <a:t>Device node</a:t>
+            </a:r>
+            <a:endParaRPr lang="zh-CN" altLang="zh-CN" dirty="0" smtClean="0"/>
+          </a:p>
+          <a:p>
+            <a:pPr lvl="1"/>
+            <a:r>
+              <a:rPr lang="en-US" altLang="zh-CN" dirty="0" smtClean="0"/>
+              <a:t>/sys/class/</a:t>
+            </a:r>
+            <a:r>
+              <a:rPr lang="en-US" altLang="zh-CN" dirty="0" err="1" smtClean="0"/>
+              <a:t>leds</a:t>
+            </a:r>
+            <a:r>
+              <a:rPr lang="en-US" altLang="zh-CN" dirty="0" smtClean="0"/>
+              <a:t>/keyboard-led</a:t>
+            </a:r>
+          </a:p>
+          <a:p>
+            <a:pPr lvl="1"/>
+            <a:r>
+              <a:rPr lang="en-US" altLang="zh-CN" dirty="0" smtClean="0"/>
+              <a:t>Framework to ctrl this LED when switch EMR and keyboard mode</a:t>
             </a:r>
             <a:endParaRPr lang="zh-CN" altLang="en-US" dirty="0"/>
           </a:p>
@@ -4591,7 +5092,7 @@
           <a:p>
             <a:r>
               <a:rPr lang="en-US" altLang="zh-CN" dirty="0" smtClean="0"/>
-              <a:t>Intel-sensor-hub</a:t>
+              <a:t>LED-charging</a:t>
             </a:r>
             <a:endParaRPr lang="zh-CN" altLang="en-US" dirty="0"/>
           </a:p>
@@ -4614,115 +5115,32 @@
           <a:p>
             <a:r>
               <a:rPr lang="en-US" altLang="zh-CN" dirty="0" smtClean="0"/>
-              <a:t>MCU driver:</a:t>
-            </a:r>
-          </a:p>
-          <a:p>
-            <a:pPr marL="0" indent="0">
-              <a:buNone/>
-            </a:pPr>
-            <a:r>
-              <a:rPr lang="en-US" altLang="zh-CN" dirty="0" smtClean="0"/>
-              <a:t>Driver/</a:t>
-            </a:r>
-            <a:r>
-              <a:rPr lang="en-US" altLang="zh-CN" dirty="0" err="1" smtClean="0"/>
-              <a:t>misc</a:t>
-            </a:r>
-            <a:r>
-              <a:rPr lang="en-US" altLang="zh-CN" dirty="0" smtClean="0"/>
-              <a:t>/intel-</a:t>
-            </a:r>
-            <a:r>
-              <a:rPr lang="en-US" altLang="zh-CN" dirty="0" err="1" smtClean="0"/>
-              <a:t>ish</a:t>
-            </a:r>
-            <a:r>
-              <a:rPr lang="en-US" altLang="zh-CN" dirty="0" smtClean="0"/>
-              <a:t>/</a:t>
-            </a:r>
-            <a:r>
-              <a:rPr lang="en-US" altLang="zh-CN" dirty="0" err="1" smtClean="0"/>
-              <a:t>ipc.c</a:t>
-            </a:r>
-            <a:endParaRPr lang="en-US" altLang="zh-CN" dirty="0" smtClean="0"/>
-          </a:p>
-          <a:p>
-            <a:pPr marL="0" indent="0">
-              <a:buNone/>
-            </a:pPr>
-            <a:r>
-              <a:rPr lang="en-US" altLang="zh-CN" dirty="0" smtClean="0"/>
-              <a:t>Driver/</a:t>
-            </a:r>
-            <a:r>
-              <a:rPr lang="en-US" altLang="zh-CN" dirty="0" err="1" smtClean="0"/>
-              <a:t>misc</a:t>
-            </a:r>
-            <a:r>
-              <a:rPr lang="en-US" altLang="zh-CN" dirty="0" smtClean="0"/>
-              <a:t>/intel-</a:t>
-            </a:r>
-            <a:r>
-              <a:rPr lang="en-US" altLang="zh-CN" dirty="0" err="1" smtClean="0"/>
-              <a:t>ish</a:t>
-            </a:r>
-            <a:r>
-              <a:rPr lang="en-US" altLang="zh-CN" dirty="0" smtClean="0"/>
-              <a:t>/</a:t>
-            </a:r>
-            <a:r>
-              <a:rPr lang="en-US" altLang="zh-CN" dirty="0" err="1" smtClean="0"/>
-              <a:t>ipc-ish.c</a:t>
-            </a:r>
-            <a:r>
-              <a:rPr lang="en-US" altLang="zh-CN" dirty="0" smtClean="0"/>
-              <a:t>[probe here]</a:t>
-            </a:r>
-          </a:p>
-          <a:p>
-            <a:pPr marL="0" indent="0">
-              <a:buNone/>
-            </a:pPr>
-            <a:r>
-              <a:rPr lang="en-US" altLang="zh-CN" dirty="0" smtClean="0"/>
-              <a:t>Vendor/intel/hardware/</a:t>
-            </a:r>
-            <a:r>
-              <a:rPr lang="en-US" altLang="zh-CN" dirty="0" err="1" smtClean="0"/>
-              <a:t>ish</a:t>
-            </a:r>
-            <a:r>
-              <a:rPr lang="en-US" altLang="zh-CN" dirty="0" smtClean="0"/>
-              <a:t>-sensors</a:t>
-            </a:r>
-          </a:p>
-          <a:p>
-            <a:pPr marL="0" indent="0">
-              <a:buNone/>
-            </a:pPr>
-            <a:r>
-              <a:rPr lang="en-US" altLang="zh-CN" dirty="0" smtClean="0"/>
-              <a:t>Vendor/intel/hardware/</a:t>
-            </a:r>
-            <a:r>
-              <a:rPr lang="en-US" altLang="zh-CN" dirty="0" err="1" smtClean="0"/>
-              <a:t>libsensorhub</a:t>
+              <a:t>PMIC </a:t>
+            </a:r>
+            <a:r>
+              <a:rPr lang="en-US" altLang="zh-CN" dirty="0" err="1" smtClean="0"/>
+              <a:t>provide,also</a:t>
+            </a:r>
+            <a:r>
+              <a:rPr lang="en-US" altLang="zh-CN" dirty="0" smtClean="0"/>
+              <a:t> need to merge it</a:t>
             </a:r>
             <a:endParaRPr lang="zh-CN" altLang="en-US" dirty="0"/>
           </a:p>
         </p:txBody>
       </p:sp>
     </p:spTree>
-    <p:extLst>
-      <p:ext uri="{BB962C8B-B14F-4D97-AF65-F5344CB8AC3E}">
-        <p14:creationId xmlns:p14="http://schemas.microsoft.com/office/powerpoint/2010/main" val="1677666003"/>
-      </p:ext>
-    </p:extLst>
   </p:cSld>
   <p:clrMapOvr>
     <a:masterClrMapping/>
   </p:clrMapOvr>
+  <p:timing>
+    <p:tnLst>
+      <p:par>
+        <p:cTn id="1" dur="indefinite" restart="never" nodeType="tmRoot"/>
+      </p:par>
+    </p:tnLst>
+  </p:timing>
 </p:sld>
 </file>
 
@@ -4760,7 +5178,7 @@
           <a:p>
             <a:r>
               <a:rPr lang="en-US" altLang="zh-CN" dirty="0" smtClean="0"/>
-              <a:t>LED-button</a:t>
+              <a:t>Intel-sensor-hub</a:t>
             </a:r>
             <a:endParaRPr lang="zh-CN" altLang="en-US" dirty="0"/>
           </a:p>
@@ -4781,22 +5199,117 @@
           <a:bodyPr/>
           <a:lstStyle/>
           <a:p>
-            <a:endParaRPr lang="zh-CN" altLang="en-US"/>
+            <a:r>
+              <a:rPr lang="en-US" altLang="zh-CN" dirty="0" smtClean="0"/>
+              <a:t>MCU driver:</a:t>
+            </a:r>
+          </a:p>
+          <a:p>
+            <a:pPr marL="0" indent="0">
+              <a:buNone/>
+            </a:pPr>
+            <a:r>
+              <a:rPr lang="en-US" altLang="zh-CN" dirty="0" smtClean="0"/>
+              <a:t>Driver/</a:t>
+            </a:r>
+            <a:r>
+              <a:rPr lang="en-US" altLang="zh-CN" dirty="0" err="1" smtClean="0"/>
+              <a:t>misc</a:t>
+            </a:r>
+            <a:r>
+              <a:rPr lang="en-US" altLang="zh-CN" dirty="0" smtClean="0"/>
+              <a:t>/intel-</a:t>
+            </a:r>
+            <a:r>
+              <a:rPr lang="en-US" altLang="zh-CN" dirty="0" err="1" smtClean="0"/>
+              <a:t>ish</a:t>
+            </a:r>
+            <a:r>
+              <a:rPr lang="en-US" altLang="zh-CN" dirty="0" smtClean="0"/>
+              <a:t>/</a:t>
+            </a:r>
+            <a:r>
+              <a:rPr lang="en-US" altLang="zh-CN" dirty="0" err="1" smtClean="0"/>
+              <a:t>ipc.c</a:t>
+            </a:r>
+            <a:endParaRPr lang="en-US" altLang="zh-CN" dirty="0" smtClean="0"/>
+          </a:p>
+          <a:p>
+            <a:pPr marL="0" indent="0">
+              <a:buNone/>
+            </a:pPr>
+            <a:r>
+              <a:rPr lang="en-US" altLang="zh-CN" dirty="0" smtClean="0"/>
+              <a:t>Driver/</a:t>
+            </a:r>
+            <a:r>
+              <a:rPr lang="en-US" altLang="zh-CN" dirty="0" err="1" smtClean="0"/>
+              <a:t>misc</a:t>
+            </a:r>
+            <a:r>
+              <a:rPr lang="en-US" altLang="zh-CN" dirty="0" smtClean="0"/>
+              <a:t>/intel-</a:t>
+            </a:r>
+            <a:r>
+              <a:rPr lang="en-US" altLang="zh-CN" dirty="0" err="1" smtClean="0"/>
+              <a:t>ish</a:t>
+            </a:r>
+            <a:r>
+              <a:rPr lang="en-US" altLang="zh-CN" dirty="0" smtClean="0"/>
+              <a:t>/</a:t>
+            </a:r>
+            <a:r>
+              <a:rPr lang="en-US" altLang="zh-CN" dirty="0" err="1" smtClean="0"/>
+              <a:t>ipc-ish.c</a:t>
+            </a:r>
+            <a:r>
+              <a:rPr lang="en-US" altLang="zh-CN" dirty="0" smtClean="0"/>
+              <a:t>[probe here]</a:t>
+            </a:r>
+          </a:p>
+          <a:p>
+            <a:pPr marL="0" indent="0">
+              <a:buNone/>
+            </a:pPr>
+            <a:r>
+              <a:rPr lang="en-US" altLang="zh-CN" dirty="0" smtClean="0"/>
+              <a:t>Vendor/intel/hardware/</a:t>
+            </a:r>
+            <a:r>
+              <a:rPr lang="en-US" altLang="zh-CN" dirty="0" err="1" smtClean="0"/>
+              <a:t>ish</a:t>
+            </a:r>
+            <a:r>
+              <a:rPr lang="en-US" altLang="zh-CN" dirty="0" smtClean="0"/>
+              <a:t>-sensors</a:t>
+            </a:r>
+          </a:p>
+          <a:p>
+            <a:pPr marL="0" indent="0">
+              <a:buNone/>
+            </a:pPr>
+            <a:r>
+              <a:rPr lang="en-US" altLang="zh-CN" dirty="0" smtClean="0"/>
+              <a:t>Vendor/intel/hardware/</a:t>
+            </a:r>
+            <a:r>
+              <a:rPr lang="en-US" altLang="zh-CN" dirty="0" err="1" smtClean="0"/>
+              <a:t>libsensorhub</a:t>
+            </a:r>
+            <a:endParaRPr lang="zh-CN" altLang="en-US" dirty="0"/>
           </a:p>
         </p:txBody>
       </p:sp>
     </p:spTree>
+    <p:extLst>
+      <p:ext uri="{BB962C8B-B14F-4D97-AF65-F5344CB8AC3E}">
+        <p14:creationId xmlns:p14="http://schemas.microsoft.com/office/powerpoint/2010/main" val="1677666003"/>
+      </p:ext>
+    </p:extLst>
   </p:cSld>
   <p:clrMapOvr>
     <a:masterClrMapping/>
   </p:clrMapOvr>
-  <p:timing>
-    <p:tnLst>
-      <p:par>
-        <p:cTn id="1" dur="indefinite" restart="never" nodeType="tmRoot"/>
-      </p:par>
-    </p:tnLst>
-  </p:timing>
 </p:sld>
 </file>
 
@@ -4834,7 +5347,7 @@
           <a:p>
             <a:r>
               <a:rPr lang="en-US" altLang="zh-CN" dirty="0" smtClean="0"/>
-              <a:t>camera</a:t>
+              <a:t>LED-button</a:t>
             </a:r>
             <a:endParaRPr lang="zh-CN" altLang="en-US" dirty="0"/>
           </a:p>
@@ -4852,84 +5365,10 @@
         </p:nvSpPr>
         <p:spPr/>
         <p:txBody>
-          <a:bodyPr>
-            <a:normAutofit fontScale="85000" lnSpcReduction="20000"/>
-          </a:bodyPr>
-          <a:lstStyle/>
-          <a:p>
-            <a:r>
-              <a:rPr lang="en-US" altLang="zh-CN" dirty="0" smtClean="0"/>
-              <a:t>Driver</a:t>
-            </a:r>
-          </a:p>
-          <a:p>
-            <a:pPr lvl="1"/>
-            <a:r>
-              <a:rPr lang="en-US" altLang="zh-CN" dirty="0" smtClean="0"/>
-              <a:t>/drivers/</a:t>
-            </a:r>
-            <a:r>
-              <a:rPr lang="en-US" altLang="zh-CN" dirty="0" err="1" smtClean="0"/>
-              <a:t>external_drivers</a:t>
-            </a:r>
-            <a:r>
-              <a:rPr lang="en-US" altLang="zh-CN" dirty="0" smtClean="0"/>
-              <a:t>/camera/drivers/media/i2c/ov8858.c</a:t>
-            </a:r>
-          </a:p>
-          <a:p>
-            <a:pPr lvl="1"/>
-            <a:r>
-              <a:rPr lang="en-US" altLang="zh-CN" dirty="0" smtClean="0"/>
-              <a:t>/drivers/</a:t>
-            </a:r>
-            <a:r>
-              <a:rPr lang="en-US" altLang="zh-CN" dirty="0" err="1" smtClean="0"/>
-              <a:t>external_drivers</a:t>
-            </a:r>
-            <a:r>
-              <a:rPr lang="en-US" altLang="zh-CN" dirty="0" smtClean="0"/>
-              <a:t>/camera/drivers/media/i2c/ov2740.c</a:t>
-            </a:r>
-          </a:p>
-          <a:p>
-            <a:pPr lvl="1"/>
-            <a:r>
-              <a:rPr lang="en-US" altLang="zh-CN" dirty="0" smtClean="0"/>
-              <a:t>Device info from ACPI </a:t>
-            </a:r>
-          </a:p>
-          <a:p>
-            <a:r>
-              <a:rPr lang="en-US" altLang="zh-CN" dirty="0" smtClean="0"/>
-              <a:t>Device node</a:t>
-            </a:r>
-          </a:p>
-          <a:p>
-            <a:pPr lvl="1"/>
-            <a:r>
-              <a:rPr lang="en-US" altLang="zh-CN" dirty="0" smtClean="0"/>
-              <a:t>sys/bus/i2c/devices/i2c-2/device/i2c-2/i2c-INT33BE:00 --〉OV2740</a:t>
-            </a:r>
-            <a:endParaRPr lang="zh-CN" altLang="zh-CN" dirty="0" smtClean="0"/>
-          </a:p>
-          <a:p>
-            <a:pPr lvl="1"/>
-            <a:r>
-              <a:rPr lang="en-US" altLang="zh-CN" dirty="0" smtClean="0"/>
-              <a:t>sys/bus/i2c/devices/i2c-2/device/i2c-2/i2c-INT33FB:00 --〉OV8858</a:t>
-            </a:r>
-          </a:p>
-          <a:p>
-            <a:pPr lvl="1"/>
-            <a:r>
-              <a:rPr lang="en-US" altLang="zh-CN" dirty="0" smtClean="0"/>
-              <a:t>V4L2 device , data / control  pipeline by IOCTL</a:t>
-            </a:r>
-            <a:endParaRPr lang="zh-CN" altLang="zh-CN" dirty="0" smtClean="0"/>
-          </a:p>
-          <a:p>
-            <a:endParaRPr lang="zh-CN" altLang="en-US" dirty="0"/>
+          <a:bodyPr/>
+          <a:lstStyle/>
+          <a:p>
+            <a:endParaRPr lang="zh-CN" altLang="en-US"/>
           </a:p>
         </p:txBody>
       </p:sp>
@@ -4982,6 +5421,154 @@
           <a:p>
             <a:r>
               <a:rPr lang="en-US" altLang="zh-CN" dirty="0" smtClean="0"/>
+              <a:t>camera</a:t>
+            </a:r>
+            <a:endParaRPr lang="zh-CN" altLang="en-US" dirty="0"/>
+          </a:p>
+        </p:txBody>
+      </p:sp>
+      <p:sp>
+        <p:nvSpPr>
+          <p:cNvPr id="3" name="内容占位符 2"/>
+          <p:cNvSpPr>
+            <a:spLocks noGrp="1"/>
+          </p:cNvSpPr>
+          <p:nvPr>
+            <p:ph idx="1"/>
+          </p:nvPr>
+        </p:nvSpPr>
+        <p:spPr/>
+        <p:txBody>
+          <a:bodyPr>
+            <a:normAutofit fontScale="85000" lnSpcReduction="20000"/>
+          </a:bodyPr>
+          <a:lstStyle/>
+          <a:p>
+            <a:r>
+              <a:rPr lang="en-US" altLang="zh-CN" dirty="0" smtClean="0"/>
+              <a:t>Driver</a:t>
+            </a:r>
+          </a:p>
+          <a:p>
+            <a:pPr lvl="1"/>
+            <a:r>
+              <a:rPr lang="en-US" altLang="zh-CN" dirty="0" smtClean="0"/>
+              <a:t>/drivers/</a:t>
+            </a:r>
+            <a:r>
+              <a:rPr lang="en-US" altLang="zh-CN" dirty="0" err="1" smtClean="0"/>
+              <a:t>external_drivers</a:t>
+            </a:r>
+            <a:r>
+              <a:rPr lang="en-US" altLang="zh-CN" dirty="0" smtClean="0"/>
+              <a:t>/camera/drivers/media/i2c/ov8858.c</a:t>
+            </a:r>
+          </a:p>
+          <a:p>
+            <a:pPr lvl="1"/>
+            <a:r>
+              <a:rPr lang="en-US" altLang="zh-CN" dirty="0" smtClean="0"/>
+              <a:t>/drivers/</a:t>
+            </a:r>
+            <a:r>
+              <a:rPr lang="en-US" altLang="zh-CN" dirty="0" err="1" smtClean="0"/>
+              <a:t>external_drivers</a:t>
+            </a:r>
+            <a:r>
+              <a:rPr lang="en-US" altLang="zh-CN" dirty="0" smtClean="0"/>
+              <a:t>/camera/drivers/media/i2c/ov2740.c</a:t>
+            </a:r>
+          </a:p>
+          <a:p>
+            <a:pPr lvl="1"/>
+            <a:r>
+              <a:rPr lang="en-US" altLang="zh-CN" dirty="0" smtClean="0"/>
+              <a:t>Device info from ACPI </a:t>
+            </a:r>
+          </a:p>
+          <a:p>
+            <a:r>
+              <a:rPr lang="en-US" altLang="zh-CN" dirty="0" smtClean="0"/>
+              <a:t>Device node</a:t>
+            </a:r>
+          </a:p>
+          <a:p>
+            <a:pPr lvl="1"/>
+            <a:r>
+              <a:rPr lang="en-US" altLang="zh-CN" dirty="0" smtClean="0"/>
+              <a:t>sys/bus/i2c/devices/i2c-2/device/i2c-2/i2c-INT33BE:00 --〉OV2740</a:t>
+            </a:r>
+            <a:endParaRPr lang="zh-CN" altLang="zh-CN" dirty="0" smtClean="0"/>
+          </a:p>
+          <a:p>
+            <a:pPr lvl="1"/>
+            <a:r>
+              <a:rPr lang="en-US" altLang="zh-CN" dirty="0" smtClean="0"/>
+              <a:t>sys/bus/i2c/devices/i2c-2/device/i2c-2/i2c-INT33FB:00 --〉OV8858</a:t>
+            </a:r>
+          </a:p>
+          <a:p>
+            <a:pPr lvl="1"/>
+            <a:r>
+              <a:rPr lang="en-US" altLang="zh-CN" dirty="0" smtClean="0"/>
+              <a:t>V4L2 device , data / control  pipeline by IOCTL</a:t>
+            </a:r>
+            <a:endParaRPr lang="zh-CN" altLang="zh-CN" dirty="0" smtClean="0"/>
+          </a:p>
+          <a:p>
+            <a:endParaRPr lang="zh-CN" altLang="en-US" dirty="0"/>
+          </a:p>
+        </p:txBody>
+      </p:sp>
+    </p:spTree>
+  </p:cSld>
+  <p:clrMapOvr>
+    <a:masterClrMapping/>
+  </p:clrMapOvr>
+  <p:timing>
+    <p:tnLst>
+      <p:par>
+        <p:cTn id="1" dur="indefinite" restart="never" nodeType="tmRoot"/>
+      </p:par>
+    </p:tnLst>
+  </p:timing>
+</p:sld>
+</file>
+
+<file path=ppt/slides/slide19.xml><?xml version="1.0" encoding="utf-8"?>
+<p:sld xmlns:a="http://schemas.openxmlformats.org/drawingml/2006/main" xmlns:r="http://schemas.openxmlformats.org/officeDocument/2006/relationships" xmlns:p="http://schemas.openxmlformats.org/presentationml/2006/main">
+  <p:cSld>
+    <p:spTree>
+      <p:nvGrpSpPr>
+        <p:cNvPr id="1" name=""/>
+        <p:cNvGrpSpPr/>
+        <p:nvPr/>
+      </p:nvGrpSpPr>
+      <p:grpSpPr>
+        <a:xfrm>
+          <a:off x="0" y="0"/>
+          <a:ext cx="0" cy="0"/>
+          <a:chOff x="0" y="0"/>
+          <a:chExt cx="0" cy="0"/>
+        </a:xfrm>
+      </p:grpSpPr>
+      <p:sp>
+        <p:nvSpPr>
+          <p:cNvPr id="2" name="标题 1"/>
+          <p:cNvSpPr>
+            <a:spLocks noGrp="1"/>
+          </p:cNvSpPr>
+          <p:nvPr>
+            <p:ph type="title"/>
+          </p:nvPr>
+        </p:nvSpPr>
+        <p:spPr/>
+        <p:txBody>
+          <a:bodyPr/>
+          <a:lstStyle/>
+          <a:p>
+            <a:r>
+              <a:rPr lang="en-US" altLang="zh-CN" dirty="0" smtClean="0"/>
               <a:t>Other devices</a:t>
             </a:r>
             <a:endParaRPr lang="zh-CN" altLang="en-US" dirty="0"/>
@@ -5284,6 +5871,89 @@
 </p:sld>
 </file>
 
+<file path=ppt/slides/slide20.xml><?xml version="1.0" encoding="utf-8"?>
+<p:sld xmlns:a="http://schemas.openxmlformats.org/drawingml/2006/main" xmlns:r="http://schemas.openxmlformats.org/officeDocument/2006/relationships" xmlns:p="http://schemas.openxmlformats.org/presentationml/2006/main">
+  <p:cSld>
+    <p:spTree>
+      <p:nvGrpSpPr>
+        <p:cNvPr id="1" name=""/>
+        <p:cNvGrpSpPr/>
+        <p:nvPr/>
+      </p:nvGrpSpPr>
+      <p:grpSpPr>
+        <a:xfrm>
+          <a:off x="0" y="0"/>
+          <a:ext cx="0" cy="0"/>
+          <a:chOff x="0" y="0"/>
+          <a:chExt cx="0" cy="0"/>
+        </a:xfrm>
+      </p:grpSpPr>
+      <p:sp>
+        <p:nvSpPr>
+          <p:cNvPr id="2" name="标题 1"/>
+          <p:cNvSpPr>
+            <a:spLocks noGrp="1"/>
+          </p:cNvSpPr>
+          <p:nvPr>
+            <p:ph type="title"/>
+          </p:nvPr>
+        </p:nvSpPr>
+        <p:spPr/>
+        <p:txBody>
+          <a:bodyPr/>
+          <a:lstStyle/>
+          <a:p>
+            <a:endParaRPr lang="zh-CN" altLang="en-US"/>
+          </a:p>
+        </p:txBody>
+      </p:sp>
+      <p:sp>
+        <p:nvSpPr>
+          <p:cNvPr id="3" name="内容占位符 2"/>
+          <p:cNvSpPr>
+            <a:spLocks noGrp="1"/>
+          </p:cNvSpPr>
+          <p:nvPr>
+            <p:ph idx="1"/>
+          </p:nvPr>
+        </p:nvSpPr>
+        <p:spPr/>
+        <p:txBody>
+          <a:bodyPr/>
+          <a:lstStyle/>
+          <a:p>
+            <a:r>
+              <a:rPr lang="zh-CN" altLang="en-US" dirty="0"/>
+              <a:t>先</a:t>
+            </a:r>
+            <a:r>
+              <a:rPr lang="zh-CN" altLang="en-US" dirty="0" smtClean="0"/>
+              <a:t>把设备文件加载了一遍</a:t>
+            </a:r>
+            <a:endParaRPr lang="en-US" altLang="zh-CN" dirty="0" smtClean="0"/>
+          </a:p>
+          <a:p>
+            <a:r>
+              <a:rPr lang="zh-CN" altLang="en-US" dirty="0" smtClean="0"/>
+              <a:t>后面才加载驱动文件</a:t>
+            </a:r>
+            <a:endParaRPr lang="zh-CN" altLang="en-US" dirty="0"/>
+          </a:p>
+        </p:txBody>
+      </p:sp>
+    </p:spTree>
+    <p:extLst>
+      <p:ext uri="{BB962C8B-B14F-4D97-AF65-F5344CB8AC3E}">
+        <p14:creationId xmlns:p14="http://schemas.microsoft.com/office/powerpoint/2010/main" val="1773010586"/>
+      </p:ext>
+    </p:extLst>
+  </p:cSld>
+  <p:clrMapOvr>
+    <a:masterClrMapping/>
+  </p:clrMapOvr>
+</p:sld>
+</file>
+
 <file path=ppt/slides/slide3.xml><?xml version="1.0" encoding="utf-8"?>
 <p:sld xmlns:a="http://schemas.openxmlformats.org/drawingml/2006/main" xmlns:r="http://schemas.openxmlformats.org/officeDocument/2006/relationships" xmlns:p="http://schemas.openxmlformats.org/presentationml/2006/main">
   <p:cSld>
@@ -5360,6 +6030,27 @@
               <a:rPr lang="en-US" altLang="zh-CN" dirty="0" err="1" smtClean="0"/>
               <a:t>Value:ev_key;ev_syn</a:t>
             </a:r>
+            <a:endParaRPr lang="en-US" altLang="zh-CN" dirty="0" smtClean="0"/>
+          </a:p>
+          <a:p>
+            <a:pPr marL="342900" lvl="1" indent="-342900">
+              <a:buFont typeface="Arial" pitchFamily="34" charset="0"/>
+              <a:buChar char="•"/>
+            </a:pPr>
+            <a:r>
+              <a:rPr lang="en-US" altLang="zh-CN" dirty="0"/>
+              <a:t>/</a:t>
+            </a:r>
+            <a:r>
+              <a:rPr lang="en-US" altLang="zh-CN" dirty="0" smtClean="0"/>
+              <a:t>sys/bus/platform/devices/gpio-lesskey.1.auto</a:t>
+            </a:r>
+            <a:r>
+              <a:rPr lang="en-US" altLang="zh-CN" dirty="0"/>
+              <a:t>/</a:t>
+            </a:r>
+          </a:p>
+          <a:p>
             <a:endParaRPr lang="zh-CN" altLang="en-US" dirty="0"/>
           </a:p>
         </p:txBody>
@@ -5410,55 +6101,73 @@
           <a:lstStyle/>
           <a:p>
             <a:r>
-              <a:rPr lang="en-US" altLang="zh-CN" dirty="0" err="1" smtClean="0"/>
-              <a:t>Smtpad</a:t>
-            </a:r>
-            <a:r>
-              <a:rPr lang="en-US" altLang="zh-CN" dirty="0" smtClean="0"/>
-              <a:t>(</a:t>
-            </a:r>
-            <a:r>
-              <a:rPr lang="zh-CN" altLang="en-US" dirty="0" smtClean="0"/>
-              <a:t>鼠标功能</a:t>
-            </a:r>
-            <a:r>
-              <a:rPr lang="en-US" altLang="zh-CN" dirty="0" smtClean="0"/>
-              <a:t>)</a:t>
-            </a:r>
+              <a:rPr lang="zh-CN" altLang="en-US" dirty="0"/>
+              <a:t>音量键</a:t>
+            </a:r>
+          </a:p>
+        </p:txBody>
+      </p:sp>
+      <p:sp>
+        <p:nvSpPr>
+          <p:cNvPr id="3" name="内容占位符 2"/>
+          <p:cNvSpPr>
+            <a:spLocks noGrp="1"/>
+          </p:cNvSpPr>
+          <p:nvPr>
+            <p:ph idx="1"/>
+          </p:nvPr>
+        </p:nvSpPr>
+        <p:spPr/>
+        <p:txBody>
+          <a:bodyPr/>
+          <a:lstStyle/>
+          <a:p>
+            <a:r>
+              <a:rPr lang="en-US" altLang="zh-CN" dirty="0"/>
+              <a:t>/</a:t>
+            </a:r>
+            <a:r>
+              <a:rPr lang="en-US" altLang="zh-CN" dirty="0" smtClean="0"/>
+              <a:t>dev/input/event7</a:t>
+            </a:r>
+            <a:endParaRPr lang="en-US" altLang="zh-CN" dirty="0"/>
+          </a:p>
+          <a:p>
+            <a:r>
+              <a:rPr lang="en-US" altLang="zh-CN" dirty="0" err="1" smtClean="0"/>
+              <a:t>Name:gpio-keys</a:t>
+            </a:r>
+            <a:endParaRPr lang="en-US" altLang="zh-CN" dirty="0"/>
+          </a:p>
+          <a:p>
+            <a:r>
+              <a:rPr lang="en-US" altLang="zh-CN" dirty="0" err="1" smtClean="0"/>
+              <a:t>Value:ev_key;ev_syn</a:t>
+            </a:r>
+            <a:endParaRPr lang="en-US" altLang="zh-CN" dirty="0" smtClean="0"/>
+          </a:p>
+          <a:p>
+            <a:pPr marL="342900" lvl="1" indent="-342900">
+              <a:buFont typeface="Arial" pitchFamily="34" charset="0"/>
+              <a:buChar char="•"/>
+            </a:pPr>
+            <a:r>
+              <a:rPr lang="en-US" altLang="zh-CN" dirty="0"/>
+              <a:t>/</a:t>
+            </a:r>
+            <a:r>
+              <a:rPr lang="en-US" altLang="zh-CN" dirty="0" smtClean="0"/>
+              <a:t>sys/bus/platform/devices/gpio-keys.2.auto</a:t>
+            </a:r>
+            <a:r>
+              <a:rPr lang="en-US" altLang="zh-CN" dirty="0"/>
+              <a:t>/</a:t>
+            </a:r>
+          </a:p>
+          <a:p>
             <a:endParaRPr lang="zh-CN" altLang="en-US" dirty="0"/>
           </a:p>
-        </p:txBody>
-      </p:sp>
-      <p:sp>
-        <p:nvSpPr>
-          <p:cNvPr id="3" name="内容占位符 2"/>
-          <p:cNvSpPr>
-            <a:spLocks noGrp="1"/>
-          </p:cNvSpPr>
-          <p:nvPr>
-            <p:ph idx="1"/>
-          </p:nvPr>
-        </p:nvSpPr>
-        <p:spPr/>
-        <p:txBody>
-          <a:bodyPr/>
-          <a:lstStyle/>
-          <a:p>
-            <a:r>
-              <a:rPr lang="en-US" altLang="zh-CN" dirty="0" smtClean="0"/>
-              <a:t>Drivers/input/touchscreen/</a:t>
-            </a:r>
-            <a:r>
-              <a:rPr lang="en-US" altLang="zh-CN" dirty="0" err="1" smtClean="0"/>
-              <a:t>smtpad</a:t>
-            </a:r>
-            <a:endParaRPr lang="en-US" altLang="zh-CN" dirty="0" smtClean="0"/>
-          </a:p>
-          <a:p>
-            <a:r>
-              <a:rPr lang="en-US" altLang="zh-CN" dirty="0" smtClean="0"/>
-              <a:t>DEVICE NODE</a:t>
-            </a:r>
+          <a:p>
             <a:endParaRPr lang="zh-CN" altLang="en-US" dirty="0"/>
           </a:p>
         </p:txBody>
@@ -5466,7 +6175,7 @@
     </p:spTree>
     <p:extLst>
       <p:ext uri="{BB962C8B-B14F-4D97-AF65-F5344CB8AC3E}">
-        <p14:creationId xmlns:p14="http://schemas.microsoft.com/office/powerpoint/2010/main" val="1264660833"/>
+        <p14:creationId xmlns:p14="http://schemas.microsoft.com/office/powerpoint/2010/main" val="2229660860"/>
       </p:ext>
     </p:extLst>
   </p:cSld>
@@ -5505,14 +6214,12 @@
         </p:nvSpPr>
         <p:spPr/>
         <p:txBody>
-          <a:bodyPr>
-            <a:normAutofit/>
-          </a:bodyPr>
-          <a:lstStyle/>
-          <a:p>
-            <a:r>
-              <a:rPr lang="en-US" altLang="zh-CN" dirty="0" err="1" smtClean="0"/>
-              <a:t>keyPad</a:t>
+          <a:bodyPr/>
+          <a:lstStyle/>
+          <a:p>
+            <a:r>
+              <a:rPr lang="en-US" altLang="zh-CN" dirty="0" err="1" smtClean="0"/>
+              <a:t>Smtpad</a:t>
             </a:r>
             <a:r>
               <a:rPr lang="en-US" altLang="zh-CN" dirty="0" smtClean="0"/>
@@ -5520,7 +6227,11 @@
             </a:r>
             <a:r>
               <a:rPr lang="zh-CN" altLang="en-US" dirty="0" smtClean="0"/>
-              <a:t>物理按键）笔转换键盘灯</a:t>
+              <a:t>鼠标功能</a:t>
+            </a:r>
+            <a:r>
+              <a:rPr lang="en-US" altLang="zh-CN" dirty="0" smtClean="0"/>
+              <a:t>)</a:t>
             </a:r>
             <a:endParaRPr lang="zh-CN" altLang="en-US" dirty="0"/>
           </a:p>
@@ -5538,165 +6249,65 @@
         </p:nvSpPr>
         <p:spPr/>
         <p:txBody>
-          <a:bodyPr>
-            <a:normAutofit fontScale="92500" lnSpcReduction="20000"/>
-          </a:bodyPr>
-          <a:lstStyle/>
-          <a:p>
-            <a:r>
-              <a:rPr lang="zh-CN" altLang="en-US" dirty="0" smtClean="0"/>
-              <a:t>驱动</a:t>
+          <a:bodyPr/>
+          <a:lstStyle/>
+          <a:p>
+            <a:r>
+              <a:rPr lang="en-US" altLang="zh-CN" dirty="0" smtClean="0"/>
+              <a:t>Drivers/input/touchscreen/</a:t>
+            </a:r>
+            <a:r>
+              <a:rPr lang="en-US" altLang="zh-CN" dirty="0" err="1" smtClean="0"/>
+              <a:t>smtpad</a:t>
+            </a:r>
+            <a:r>
+              <a:rPr lang="en-US" altLang="zh-CN" dirty="0" smtClean="0"/>
+              <a:t>/</a:t>
+            </a:r>
+          </a:p>
+          <a:p>
+            <a:r>
+              <a:rPr lang="en-US" altLang="zh-CN" dirty="0" smtClean="0"/>
+              <a:t>DEVICE NODE</a:t>
+            </a:r>
+          </a:p>
+          <a:p>
+            <a:pPr lvl="1"/>
+            <a:r>
+              <a:rPr lang="en-US" altLang="zh-CN" dirty="0" smtClean="0"/>
+              <a:t>/dev/input/event5</a:t>
+            </a:r>
+            <a:endParaRPr lang="en-US" altLang="zh-CN" dirty="0"/>
+          </a:p>
+          <a:p>
+            <a:r>
+              <a:rPr lang="en-US" altLang="zh-CN" dirty="0" err="1" smtClean="0"/>
+              <a:t>Name:lenovo-smartpad_touch</a:t>
             </a:r>
             <a:endParaRPr lang="en-US" altLang="zh-CN" dirty="0" smtClean="0"/>
           </a:p>
           <a:p>
-            <a:pPr lvl="1"/>
-            <a:r>
-              <a:rPr lang="en-US" altLang="zh-CN" dirty="0" smtClean="0"/>
-              <a:t>Drivers/input/keyboard/</a:t>
-            </a:r>
-            <a:r>
-              <a:rPr lang="en-US" altLang="zh-CN" dirty="0" err="1" smtClean="0"/>
-              <a:t>gpio_keys.c</a:t>
-            </a:r>
-            <a:endParaRPr lang="en-US" altLang="zh-CN" dirty="0"/>
-          </a:p>
-          <a:p>
-            <a:pPr lvl="1"/>
-            <a:r>
-              <a:rPr lang="en-US" altLang="zh-CN" dirty="0" smtClean="0"/>
-              <a:t>Drivers/input/misc/</a:t>
-            </a:r>
-            <a:r>
-              <a:rPr lang="en-US" altLang="zh-CN" dirty="0" err="1" smtClean="0"/>
-              <a:t>soc_button_array.c</a:t>
-            </a:r>
-            <a:endParaRPr lang="en-US" altLang="zh-CN" dirty="0" smtClean="0"/>
-          </a:p>
-          <a:p>
-            <a:pPr lvl="1"/>
-            <a:r>
-              <a:rPr lang="en-US" altLang="zh-CN" dirty="0" smtClean="0">
-                <a:solidFill>
-                  <a:schemeClr val="bg1">
-                    <a:lumMod val="65000"/>
-                  </a:schemeClr>
-                </a:solidFill>
-              </a:rPr>
-              <a:t>Drivers/input/keyboard/</a:t>
-            </a:r>
-            <a:r>
-              <a:rPr lang="en-US" altLang="zh-CN" dirty="0" err="1" smtClean="0">
-                <a:solidFill>
-                  <a:schemeClr val="bg1">
-                    <a:lumMod val="65000"/>
-                  </a:schemeClr>
-                </a:solidFill>
-              </a:rPr>
-              <a:t>acpi-gpiobtn.c</a:t>
-            </a:r>
-            <a:r>
-              <a:rPr lang="en-US" altLang="zh-CN" dirty="0" smtClean="0">
-                <a:solidFill>
-                  <a:schemeClr val="bg1">
-                    <a:lumMod val="65000"/>
-                  </a:schemeClr>
-                </a:solidFill>
-              </a:rPr>
-              <a:t>[N not have]</a:t>
-            </a:r>
-          </a:p>
-          <a:p>
-            <a:r>
-              <a:rPr lang="en-US" altLang="zh-CN" dirty="0" smtClean="0"/>
-              <a:t>Device node</a:t>
-            </a:r>
-          </a:p>
-          <a:p>
-            <a:pPr lvl="1"/>
-            <a:r>
-              <a:rPr lang="en-US" altLang="zh-CN" dirty="0"/>
-              <a:t>/sys/bus/platform/devices/gpio-keys.3.auto</a:t>
-            </a:r>
-            <a:r>
-              <a:rPr lang="en-US" altLang="zh-CN" dirty="0" smtClean="0"/>
-              <a:t>/</a:t>
-            </a:r>
-          </a:p>
-          <a:p>
-            <a:pPr lvl="1"/>
-            <a:r>
-              <a:rPr lang="en-US" altLang="zh-CN" dirty="0" smtClean="0"/>
-              <a:t>/sys/class/input/input9</a:t>
-            </a:r>
-          </a:p>
-          <a:p>
-            <a:pPr lvl="1"/>
-            <a:r>
-              <a:rPr lang="en-US" altLang="zh-CN" dirty="0"/>
-              <a:t>/</a:t>
-            </a:r>
-            <a:r>
-              <a:rPr lang="en-US" altLang="zh-CN" dirty="0" smtClean="0"/>
-              <a:t>sys/bus/platform/devices/gpio-lesskey.2.auto</a:t>
-            </a:r>
-          </a:p>
-          <a:p>
-            <a:pPr lvl="1"/>
-            <a:r>
-              <a:rPr lang="en-US" altLang="zh-CN" dirty="0" smtClean="0"/>
-              <a:t>/sys/class/input/input8</a:t>
-            </a:r>
-            <a:endParaRPr lang="en-US" altLang="zh-CN" dirty="0"/>
-          </a:p>
-          <a:p>
-            <a:pPr lvl="1"/>
-            <a:r>
-              <a:rPr lang="en-US" altLang="zh-CN" dirty="0"/>
-              <a:t>/</a:t>
-            </a:r>
-            <a:r>
-              <a:rPr lang="en-US" altLang="zh-CN" dirty="0" smtClean="0"/>
-              <a:t>sys/bus/</a:t>
-            </a:r>
-            <a:r>
-              <a:rPr lang="en-US" altLang="zh-CN" dirty="0" err="1" smtClean="0"/>
-              <a:t>pnp</a:t>
-            </a:r>
-            <a:r>
-              <a:rPr lang="en-US" altLang="zh-CN" dirty="0" smtClean="0"/>
-              <a:t>/devices/00:10</a:t>
-            </a:r>
-          </a:p>
-          <a:p>
-            <a:pPr lvl="1"/>
-            <a:r>
-              <a:rPr lang="en-US" altLang="zh-CN" dirty="0" smtClean="0"/>
-              <a:t>Report coordinate and key data by input sub-system</a:t>
-            </a:r>
-          </a:p>
-          <a:p>
-            <a:pPr lvl="1"/>
-            <a:endParaRPr lang="en-US" altLang="zh-CN" dirty="0" smtClean="0"/>
-          </a:p>
-          <a:p>
-            <a:pPr lvl="1"/>
+            <a:r>
+              <a:rPr lang="en-US" altLang="zh-CN" dirty="0" err="1" smtClean="0"/>
+              <a:t>Value:ev_key;ev_syn</a:t>
+            </a:r>
             <a:endParaRPr lang="zh-CN" altLang="en-US" dirty="0"/>
           </a:p>
+          <a:p>
+            <a:endParaRPr lang="zh-CN" altLang="en-US" dirty="0"/>
+          </a:p>
         </p:txBody>
       </p:sp>
     </p:spTree>
+    <p:extLst>
+      <p:ext uri="{BB962C8B-B14F-4D97-AF65-F5344CB8AC3E}">
+        <p14:creationId xmlns:p14="http://schemas.microsoft.com/office/powerpoint/2010/main" val="1264660833"/>
+      </p:ext>
+    </p:extLst>
   </p:cSld>
   <p:clrMapOvr>
     <a:masterClrMapping/>
   </p:clrMapOvr>
-  <p:timing>
-    <p:tnLst>
-      <p:par>
-        <p:cTn id="1" dur="indefinite" restart="never" nodeType="tmRoot"/>
-      </p:par>
-    </p:tnLst>
-  </p:timing>
 </p:sld>
 </file>
 
@@ -5729,20 +6340,22 @@
         </p:nvSpPr>
         <p:spPr/>
         <p:txBody>
-          <a:bodyPr/>
-          <a:lstStyle/>
-          <a:p>
-            <a:r>
-              <a:rPr lang="en-US" altLang="zh-CN" dirty="0" smtClean="0"/>
-              <a:t>Main TP(</a:t>
+          <a:bodyPr>
+            <a:normAutofit/>
+          </a:bodyPr>
+          <a:lstStyle/>
+          <a:p>
+            <a:r>
+              <a:rPr lang="en-US" altLang="zh-CN" dirty="0" err="1" smtClean="0"/>
+              <a:t>keyPad</a:t>
+            </a:r>
+            <a:r>
+              <a:rPr lang="en-US" altLang="zh-CN" dirty="0" smtClean="0"/>
+              <a:t>(</a:t>
             </a:r>
             <a:r>
               <a:rPr lang="zh-CN" altLang="en-US" dirty="0" smtClean="0"/>
-              <a:t>触屏</a:t>
-            </a:r>
-            <a:r>
-              <a:rPr lang="en-US" altLang="zh-CN" dirty="0" smtClean="0"/>
-              <a:t>)</a:t>
+              <a:t>物理按键）笔转换键盘灯</a:t>
             </a:r>
             <a:endParaRPr lang="zh-CN" altLang="en-US" dirty="0"/>
           </a:p>
@@ -5766,59 +6379,66 @@
           <a:lstStyle/>
           <a:p>
             <a:r>
-              <a:rPr lang="en-US" altLang="zh-CN" dirty="0" smtClean="0"/>
-              <a:t>Firmware /kernel/</a:t>
-            </a:r>
-            <a:r>
-              <a:rPr lang="en-US" altLang="zh-CN" dirty="0" err="1" smtClean="0"/>
-              <a:t>cht</a:t>
-            </a:r>
-            <a:r>
-              <a:rPr lang="en-US" altLang="zh-CN" dirty="0" smtClean="0"/>
-              <a:t>/firmware/</a:t>
-            </a:r>
-          </a:p>
-          <a:p>
-            <a:r>
-              <a:rPr lang="en-US" altLang="zh-CN" dirty="0" smtClean="0"/>
-              <a:t>driver</a:t>
-            </a:r>
-          </a:p>
-          <a:p>
-            <a:pPr lvl="1"/>
-            <a:r>
-              <a:rPr lang="en-US" altLang="zh-CN" dirty="0" smtClean="0"/>
-              <a:t>drivers\input\</a:t>
-            </a:r>
-            <a:r>
-              <a:rPr lang="en-US" altLang="zh-CN" dirty="0" err="1" smtClean="0"/>
-              <a:t>touchscreen</a:t>
-            </a:r>
-            <a:r>
-              <a:rPr lang="en-US" altLang="zh-CN" dirty="0" smtClean="0"/>
-              <a:t>\ist940e</a:t>
-            </a:r>
-          </a:p>
-          <a:p>
-            <a:pPr lvl="1"/>
-            <a:r>
-              <a:rPr lang="en-US" altLang="zh-CN" dirty="0" smtClean="0"/>
-              <a:t>Arch/x86/platform/intel/</a:t>
-            </a:r>
-            <a:r>
-              <a:rPr lang="en-US" altLang="zh-CN" dirty="0" err="1" smtClean="0"/>
-              <a:t>device_libs</a:t>
-            </a:r>
-            <a:r>
-              <a:rPr lang="en-US" altLang="zh-CN" dirty="0" smtClean="0"/>
-              <a:t>/Platform_ist940e.c</a:t>
-            </a:r>
-          </a:p>
-          <a:p>
-            <a:pPr lvl="1"/>
-            <a:r>
-              <a:rPr lang="en-US" altLang="zh-CN" dirty="0" smtClean="0"/>
-              <a:t>Include/linux/input/ist520e.h</a:t>
+              <a:rPr lang="zh-CN" altLang="en-US" dirty="0" smtClean="0"/>
+              <a:t>驱动</a:t>
+            </a:r>
+            <a:endParaRPr lang="en-US" altLang="zh-CN" dirty="0" smtClean="0"/>
+          </a:p>
+          <a:p>
+            <a:pPr lvl="1"/>
+            <a:r>
+              <a:rPr lang="en-US" altLang="zh-CN" dirty="0" smtClean="0"/>
+              <a:t>Drivers/input/keyboard/</a:t>
+            </a:r>
+            <a:r>
+              <a:rPr lang="en-US" altLang="zh-CN" dirty="0" err="1" smtClean="0"/>
+              <a:t>gpio_keys.c</a:t>
+            </a:r>
+            <a:endParaRPr lang="en-US" altLang="zh-CN" dirty="0"/>
+          </a:p>
+          <a:p>
+            <a:pPr lvl="1"/>
+            <a:r>
+              <a:rPr lang="en-US" altLang="zh-CN" dirty="0" smtClean="0"/>
+              <a:t>Drivers/input/misc/</a:t>
+            </a:r>
+            <a:r>
+              <a:rPr lang="en-US" altLang="zh-CN" dirty="0" err="1" smtClean="0"/>
+              <a:t>soc_button_array.c</a:t>
+            </a:r>
+            <a:endParaRPr lang="en-US" altLang="zh-CN" dirty="0" smtClean="0"/>
+          </a:p>
+          <a:p>
+            <a:pPr lvl="1"/>
+            <a:r>
+              <a:rPr lang="en-US" altLang="zh-CN" dirty="0" smtClean="0">
+                <a:solidFill>
+                  <a:schemeClr val="bg1">
+                    <a:lumMod val="65000"/>
+                  </a:schemeClr>
+                </a:solidFill>
+              </a:rPr>
+              <a:t>Drivers/input/keyboard/</a:t>
+            </a:r>
+            <a:r>
+              <a:rPr lang="en-US" altLang="zh-CN" dirty="0" err="1" smtClean="0">
+                <a:solidFill>
+                  <a:schemeClr val="bg1">
+                    <a:lumMod val="65000"/>
+                  </a:schemeClr>
+                </a:solidFill>
+              </a:rPr>
+              <a:t>acpi-gpiobtn.c</a:t>
+            </a:r>
+            <a:r>
+              <a:rPr lang="en-US" altLang="zh-CN" dirty="0" smtClean="0">
+                <a:solidFill>
+                  <a:schemeClr val="bg1">
+                    <a:lumMod val="65000"/>
+                  </a:schemeClr>
+                </a:solidFill>
+              </a:rPr>
+              <a:t>[N not have]</a:t>
             </a:r>
           </a:p>
           <a:p>
@@ -5831,71 +6451,86 @@
             <a:pPr lvl="1"/>
             <a:r>
               <a:rPr lang="en-US" altLang="zh-CN" dirty="0" smtClean="0"/>
-              <a:t>/sys/bus/i2c/devices/i2c-5/5-006c</a:t>
-            </a:r>
-          </a:p>
-          <a:p>
-            <a:pPr lvl="1"/>
-            <a:r>
-              <a:rPr lang="en-US" altLang="zh-CN" dirty="0" smtClean="0"/>
-              <a:t>/sys/class/input/input5</a:t>
-            </a:r>
-          </a:p>
-          <a:p>
-            <a:pPr lvl="1"/>
-            <a:r>
-              <a:rPr lang="en-US" altLang="zh-CN" dirty="0" smtClean="0"/>
-              <a:t>#####Input 3 in YETIN</a:t>
-            </a:r>
-          </a:p>
-          <a:p>
-            <a:pPr lvl="1"/>
-            <a:r>
-              <a:rPr lang="en-US" altLang="zh-CN" dirty="0" smtClean="0"/>
-              <a:t>Access TP chip by I2C bus</a:t>
-            </a:r>
-          </a:p>
-          <a:p>
-            <a:pPr lvl="1"/>
-            <a:r>
-              <a:rPr lang="en-US" altLang="zh-CN" dirty="0" smtClean="0"/>
-              <a:t>Report coordinate and key data by input </a:t>
-            </a:r>
-            <a:r>
-              <a:rPr lang="en-US" altLang="zh-CN" dirty="0" smtClean="0"/>
-              <a:t>sub-system</a:t>
+              <a:t>/sys/bus/platform/devices/gpio-keys.2.auto/</a:t>
+            </a:r>
+          </a:p>
+          <a:p>
+            <a:pPr lvl="1"/>
+            <a:r>
+              <a:rPr lang="en-US" altLang="zh-CN" dirty="0" smtClean="0"/>
+              <a:t>/sys/class/input/input7</a:t>
+            </a:r>
+          </a:p>
+          <a:p>
+            <a:pPr lvl="1"/>
+            <a:r>
+              <a:rPr lang="en-US" altLang="zh-CN" dirty="0" smtClean="0"/>
+              <a:t>/sys/bus/platform/devices/gpio-lesskey.1.auto/</a:t>
+            </a:r>
+          </a:p>
+          <a:p>
+            <a:pPr lvl="1"/>
+            <a:r>
+              <a:rPr lang="en-US" altLang="zh-CN" dirty="0" smtClean="0"/>
+              <a:t>/sys/class/input/input6</a:t>
+            </a:r>
+          </a:p>
+          <a:p>
+            <a:pPr lvl="1"/>
+            <a:r>
+              <a:rPr lang="en-US" altLang="zh-CN" dirty="0" smtClean="0"/>
+              <a:t>/sys/bus/</a:t>
+            </a:r>
+            <a:r>
+              <a:rPr lang="en-US" altLang="zh-CN" dirty="0" err="1" smtClean="0"/>
+              <a:t>pnp</a:t>
+            </a:r>
+            <a:r>
+              <a:rPr lang="en-US" altLang="zh-CN" dirty="0" smtClean="0"/>
+              <a:t>/devices/00:10</a:t>
+            </a:r>
+          </a:p>
+          <a:p>
+            <a:pPr lvl="1"/>
+            <a:r>
+              <a:rPr lang="en-US" altLang="zh-CN" dirty="0" smtClean="0"/>
+              <a:t>Report coordinate and key data by input sub-system</a:t>
             </a:r>
           </a:p>
           <a:p>
             <a:r>
               <a:rPr lang="en-US" altLang="zh-CN" dirty="0"/>
-              <a:t>/</a:t>
-            </a:r>
-            <a:r>
-              <a:rPr lang="en-US" altLang="zh-CN" dirty="0" smtClean="0"/>
-              <a:t>dev/input/event3</a:t>
+              <a:t>/dev/input/event6</a:t>
+            </a:r>
+          </a:p>
+          <a:p>
+            <a:r>
+              <a:rPr lang="en-US" altLang="zh-CN" dirty="0" err="1"/>
+              <a:t>Name:gpio-lesskey</a:t>
             </a:r>
             <a:endParaRPr lang="en-US" altLang="zh-CN" dirty="0"/>
           </a:p>
           <a:p>
             <a:r>
-              <a:rPr lang="en-US" altLang="zh-CN" dirty="0" err="1" smtClean="0"/>
-              <a:t>Name:hideep</a:t>
+              <a:rPr lang="en-US" altLang="zh-CN" dirty="0" err="1"/>
+              <a:t>Value:ev_key;ev_syn</a:t>
             </a:r>
             <a:endParaRPr lang="en-US" altLang="zh-CN" dirty="0"/>
           </a:p>
           <a:p>
-            <a:r>
-              <a:rPr lang="en-US" altLang="zh-CN" dirty="0" err="1" smtClean="0"/>
-              <a:t>Value:ev_key;ev_syn;ev_abs</a:t>
-            </a:r>
-            <a:endParaRPr lang="zh-CN" altLang="en-US" dirty="0"/>
-          </a:p>
-          <a:p>
             <a:pPr lvl="1"/>
             <a:endParaRPr lang="en-US" altLang="zh-CN" dirty="0" smtClean="0"/>
           </a:p>
           <a:p>
+            <a:pPr lvl="1"/>
+            <a:endParaRPr lang="en-US" altLang="zh-CN" dirty="0" smtClean="0"/>
+          </a:p>
+          <a:p>
+            <a:pPr lvl="1"/>
+            <a:endParaRPr lang="en-US" altLang="zh-CN" dirty="0" smtClean="0"/>
+          </a:p>
+          <a:p>
+            <a:pPr lvl="1"/>
             <a:endParaRPr lang="zh-CN" altLang="en-US" dirty="0"/>
           </a:p>
         </p:txBody>
@@ -5949,7 +6584,15 @@
           <a:p>
             <a:r>
               <a:rPr lang="en-US" altLang="zh-CN" dirty="0" smtClean="0"/>
-              <a:t>Sub-TP(touch-keyboard)</a:t>
+              <a:t>Main TP(</a:t>
+            </a:r>
+            <a:r>
+              <a:rPr lang="zh-CN" altLang="en-US" dirty="0" smtClean="0"/>
+              <a:t>触屏</a:t>
+            </a:r>
+            <a:r>
+              <a:rPr lang="en-US" altLang="zh-CN" dirty="0" smtClean="0"/>
+              <a:t>)</a:t>
             </a:r>
             <a:endParaRPr lang="zh-CN" altLang="en-US" dirty="0"/>
           </a:p>
@@ -5968,18 +6611,31 @@
         <p:spPr/>
         <p:txBody>
           <a:bodyPr>
-            <a:normAutofit fontScale="92500"/>
+            <a:normAutofit fontScale="70000" lnSpcReduction="20000"/>
           </a:bodyPr>
           <a:lstStyle/>
           <a:p>
-            <a:pPr marL="342900" lvl="2" indent="-342900"/>
-            <a:r>
-              <a:rPr lang="en-US" altLang="zh-CN" sz="3200" dirty="0"/>
+            <a:r>
+              <a:rPr lang="en-US" altLang="zh-CN" dirty="0" smtClean="0"/>
+              <a:t>Firmware /kernel/</a:t>
+            </a:r>
+            <a:r>
+              <a:rPr lang="en-US" altLang="zh-CN" dirty="0" err="1" smtClean="0"/>
+              <a:t>cht</a:t>
+            </a:r>
+            <a:r>
+              <a:rPr lang="en-US" altLang="zh-CN" dirty="0" smtClean="0"/>
+              <a:t>/firmware/</a:t>
+            </a:r>
+          </a:p>
+          <a:p>
+            <a:r>
+              <a:rPr lang="en-US" altLang="zh-CN" dirty="0" smtClean="0"/>
               <a:t>driver</a:t>
             </a:r>
           </a:p>
           <a:p>
-            <a:pPr lvl="2"/>
+            <a:pPr lvl="1"/>
             <a:r>
               <a:rPr lang="en-US" altLang="zh-CN" dirty="0" smtClean="0"/>
               <a:t>drivers\input\</a:t>
@@ -5990,80 +6646,95 @@
             </a:r>
             <a:r>
               <a:rPr lang="en-US" altLang="zh-CN" dirty="0" smtClean="0"/>
-              <a:t>\Gt9xx</a:t>
-            </a:r>
-            <a:endParaRPr lang="zh-CN" altLang="zh-CN" dirty="0" smtClean="0"/>
-          </a:p>
-          <a:p>
-            <a:pPr lvl="2"/>
-            <a:r>
-              <a:rPr lang="en-US" altLang="zh-CN" dirty="0" smtClean="0"/>
-              <a:t>Arch/x86/platform/</a:t>
-            </a:r>
-            <a:r>
-              <a:rPr lang="en-US" altLang="zh-CN" dirty="0" err="1" smtClean="0"/>
-              <a:t>intel</a:t>
-            </a:r>
-            <a:r>
-              <a:rPr lang="en-US" altLang="zh-CN" dirty="0" smtClean="0"/>
+              <a:t>\ist940e</a:t>
+            </a:r>
+          </a:p>
+          <a:p>
+            <a:pPr lvl="1"/>
+            <a:r>
+              <a:rPr lang="en-US" altLang="zh-CN" dirty="0" smtClean="0"/>
+              <a:t>Arch/x86/platform/intel/</a:t>
+            </a:r>
+            <a:r>
+              <a:rPr lang="en-US" altLang="zh-CN" dirty="0" err="1" smtClean="0"/>
+              <a:t>device_libs</a:t>
+            </a:r>
+            <a:r>
+              <a:rPr lang="en-US" altLang="zh-CN" dirty="0" smtClean="0"/>
+              <a:t>/Platform_ist940e.c</a:t>
+            </a:r>
+          </a:p>
+          <a:p>
+            <a:pPr lvl="1"/>
+            <a:r>
+              <a:rPr lang="en-US" altLang="zh-CN" dirty="0" smtClean="0"/>
+              <a:t>Include/linux/input/ist520e.h</a:t>
+            </a:r>
+          </a:p>
+          <a:p>
+            <a:r>
+              <a:rPr lang="en-US" altLang="zh-CN" dirty="0" smtClean="0"/>
+              <a:t>Device node</a:t>
+            </a:r>
+          </a:p>
+          <a:p>
+            <a:pPr lvl="1"/>
+            <a:r>
+              <a:rPr lang="en-US" altLang="zh-CN" dirty="0" smtClean="0"/>
+              <a:t>/sys/bus/i2c/devices/i2c-5/5-006c</a:t>
+            </a:r>
+          </a:p>
+          <a:p>
+            <a:pPr lvl="1"/>
+            <a:r>
+              <a:rPr lang="en-US" altLang="zh-CN" dirty="0" smtClean="0"/>
+              <a:t>/sys/class/input/input3</a:t>
+            </a:r>
+          </a:p>
+          <a:p>
+            <a:pPr lvl="1"/>
+            <a:r>
+              <a:rPr lang="en-US" altLang="zh-CN" dirty="0" smtClean="0"/>
+              <a:t>Access TP chip by I2C bus</a:t>
+            </a:r>
+          </a:p>
+          <a:p>
+            <a:pPr lvl="1"/>
+            <a:r>
+              <a:rPr lang="en-US" altLang="zh-CN" dirty="0" smtClean="0"/>
+              <a:t>Report coordinate and key data by input sub-system</a:t>
+            </a:r>
+          </a:p>
+          <a:p>
+            <a:r>
+              <a:rPr lang="en-US" altLang="zh-CN" dirty="0"/>
               <a:t>/</a:t>
             </a:r>
             <a:r>
-              <a:rPr lang="en-US" altLang="zh-CN" dirty="0" err="1" smtClean="0"/>
-              <a:t>device_libs</a:t>
-            </a:r>
-            <a:r>
-              <a:rPr lang="en-US" altLang="zh-CN" dirty="0" smtClean="0"/>
-              <a:t>/Platform_gt9xx.c</a:t>
-            </a:r>
-          </a:p>
-          <a:p>
-            <a:r>
-              <a:rPr lang="en-US" altLang="zh-CN" dirty="0" smtClean="0"/>
-              <a:t>Device node</a:t>
-            </a:r>
-          </a:p>
-          <a:p>
-            <a:pPr lvl="1"/>
-            <a:r>
-              <a:rPr lang="en-US" altLang="zh-CN" dirty="0" smtClean="0"/>
-              <a:t>/sys/bus/i2c/devices/1-0014</a:t>
-            </a:r>
-          </a:p>
-          <a:p>
-            <a:pPr lvl="1"/>
-            <a:r>
-              <a:rPr lang="en-US" altLang="zh-CN" dirty="0" smtClean="0"/>
-              <a:t>/sys/class/input/input6</a:t>
-            </a:r>
-          </a:p>
-          <a:p>
-            <a:pPr lvl="1"/>
-            <a:r>
-              <a:rPr lang="en-US" altLang="zh-CN" dirty="0" smtClean="0"/>
-              <a:t>Input4 in YETIN</a:t>
-            </a:r>
-          </a:p>
-          <a:p>
-            <a:pPr lvl="1"/>
-            <a:r>
-              <a:rPr lang="en-US" altLang="zh-CN" dirty="0" smtClean="0"/>
-              <a:t>Access TP CHIP by I2C bus</a:t>
-            </a:r>
-          </a:p>
-          <a:p>
-            <a:pPr lvl="1"/>
-            <a:r>
-              <a:rPr lang="en-US" altLang="zh-CN" dirty="0" smtClean="0"/>
-              <a:t>Report coordinate and key data by input sub-system</a:t>
-            </a:r>
+              <a:rPr lang="en-US" altLang="zh-CN" dirty="0" smtClean="0"/>
+              <a:t>dev/input/event3</a:t>
+            </a:r>
+            <a:endParaRPr lang="en-US" altLang="zh-CN" dirty="0"/>
+          </a:p>
+          <a:p>
+            <a:r>
+              <a:rPr lang="en-US" altLang="zh-CN" dirty="0" err="1" smtClean="0"/>
+              <a:t>Name:hideep</a:t>
+            </a:r>
+            <a:endParaRPr lang="en-US" altLang="zh-CN" dirty="0"/>
+          </a:p>
+          <a:p>
+            <a:r>
+              <a:rPr lang="en-US" altLang="zh-CN" dirty="0" err="1" smtClean="0"/>
+              <a:t>Value:ev_key;ev_syn;ev_abs</a:t>
+            </a:r>
+            <a:endParaRPr lang="zh-CN" altLang="en-US" dirty="0"/>
           </a:p>
           <a:p>
             <a:pPr lvl="1"/>
             <a:endParaRPr lang="en-US" altLang="zh-CN" dirty="0" smtClean="0"/>
           </a:p>
           <a:p>
-            <a:pPr lvl="1"/>
             <a:endParaRPr lang="zh-CN" altLang="en-US" dirty="0"/>
           </a:p>
         </p:txBody>
@@ -6110,300 +6781,192 @@
             <p:ph type="title"/>
           </p:nvPr>
         </p:nvSpPr>
-        <p:spPr>
-          <a:xfrm>
-            <a:off x="467544" y="116632"/>
-            <a:ext cx="8229600" cy="1143000"/>
-          </a:xfrm>
-        </p:spPr>
+        <p:spPr/>
+        <p:txBody>
+          <a:bodyPr/>
+          <a:lstStyle/>
+          <a:p>
+            <a:r>
+              <a:rPr lang="en-US" altLang="zh-CN" dirty="0" smtClean="0"/>
+              <a:t>Sub-TP(touch-keyboard)</a:t>
+            </a:r>
+            <a:endParaRPr lang="zh-CN" altLang="en-US" dirty="0"/>
+          </a:p>
+        </p:txBody>
+      </p:sp>
+      <p:sp>
+        <p:nvSpPr>
+          <p:cNvPr id="3" name="内容占位符 2"/>
+          <p:cNvSpPr>
+            <a:spLocks noGrp="1"/>
+          </p:cNvSpPr>
+          <p:nvPr>
+            <p:ph idx="1"/>
+          </p:nvPr>
+        </p:nvSpPr>
+        <p:spPr/>
         <p:txBody>
           <a:bodyPr>
-            <a:normAutofit/>
+            <a:normAutofit fontScale="70000" lnSpcReduction="20000"/>
           </a:bodyPr>
           <a:lstStyle/>
           <a:p>
-            <a:r>
-              <a:rPr lang="en-US" altLang="zh-CN" dirty="0" smtClean="0"/>
-              <a:t>EMR</a:t>
+            <a:pPr marL="342900" lvl="2" indent="-342900"/>
+            <a:r>
+              <a:rPr lang="en-US" altLang="zh-CN" sz="3200" dirty="0"/>
+              <a:t>driver</a:t>
+            </a:r>
+          </a:p>
+          <a:p>
+            <a:pPr lvl="2"/>
+            <a:r>
+              <a:rPr lang="en-US" altLang="zh-CN" dirty="0" smtClean="0"/>
+              <a:t>drivers\input\</a:t>
+            </a:r>
+            <a:r>
+              <a:rPr lang="en-US" altLang="zh-CN" dirty="0" err="1" smtClean="0"/>
+              <a:t>touchscreen</a:t>
+            </a:r>
+            <a:r>
+              <a:rPr lang="en-US" altLang="zh-CN" dirty="0" smtClean="0"/>
+              <a:t>\Gt9xx</a:t>
+            </a:r>
+            <a:endParaRPr lang="zh-CN" altLang="zh-CN" dirty="0" smtClean="0"/>
+          </a:p>
+          <a:p>
+            <a:pPr lvl="2"/>
+            <a:r>
+              <a:rPr lang="en-US" altLang="zh-CN" dirty="0" smtClean="0"/>
+              <a:t>Arch/x86/platform/</a:t>
+            </a:r>
+            <a:r>
+              <a:rPr lang="en-US" altLang="zh-CN" dirty="0" err="1" smtClean="0"/>
+              <a:t>intel</a:t>
+            </a:r>
+            <a:r>
+              <a:rPr lang="en-US" altLang="zh-CN" dirty="0" smtClean="0"/>
+              <a:t>/</a:t>
+            </a:r>
+            <a:r>
+              <a:rPr lang="en-US" altLang="zh-CN" dirty="0" err="1" smtClean="0"/>
+              <a:t>device_libs</a:t>
+            </a:r>
+            <a:r>
+              <a:rPr lang="en-US" altLang="zh-CN" dirty="0" smtClean="0"/>
+              <a:t>/Platform_gt9xx.c</a:t>
+            </a:r>
+          </a:p>
+          <a:p>
+            <a:r>
+              <a:rPr lang="en-US" altLang="zh-CN" dirty="0" smtClean="0"/>
+              <a:t>Device node</a:t>
+            </a:r>
+          </a:p>
+          <a:p>
+            <a:pPr lvl="1"/>
+            <a:r>
+              <a:rPr lang="en-US" altLang="zh-CN" dirty="0" smtClean="0"/>
+              <a:t>/sys/bus/i2c/devices/1-0014</a:t>
+            </a:r>
+          </a:p>
+          <a:p>
+            <a:pPr lvl="1"/>
+            <a:r>
+              <a:rPr lang="en-US" altLang="zh-CN" dirty="0" smtClean="0"/>
+              <a:t>/sys/class/input/input4</a:t>
+            </a:r>
+          </a:p>
+          <a:p>
+            <a:pPr lvl="1"/>
+            <a:r>
+              <a:rPr lang="en-US" altLang="zh-CN" dirty="0" smtClean="0"/>
+              <a:t>Access TP CHIP by I2C bus</a:t>
+            </a:r>
+          </a:p>
+          <a:p>
+            <a:pPr lvl="1"/>
+            <a:r>
+              <a:rPr lang="en-US" altLang="zh-CN" dirty="0" smtClean="0"/>
+              <a:t>Report coordinate and key data by input sub-system</a:t>
+            </a:r>
+          </a:p>
+          <a:p>
+            <a:r>
+              <a:rPr lang="en-US" altLang="zh-CN" dirty="0"/>
+              <a:t>/</a:t>
+            </a:r>
+            <a:r>
+              <a:rPr lang="en-US" altLang="zh-CN" dirty="0" smtClean="0"/>
+              <a:t>dev/input/event4[</a:t>
             </a:r>
             <a:r>
               <a:rPr lang="zh-CN" altLang="en-US" dirty="0" smtClean="0"/>
-              <a:t>（画板）</a:t>
-            </a:r>
+              <a:t>坐标值</a:t>
+            </a:r>
+            <a:r>
+              <a:rPr lang="en-US" altLang="zh-CN" dirty="0" smtClean="0"/>
+              <a:t>]</a:t>
+            </a:r>
+            <a:endParaRPr lang="en-US" altLang="zh-CN" dirty="0"/>
+          </a:p>
+          <a:p>
+            <a:r>
+              <a:rPr lang="en-US" altLang="zh-CN" dirty="0" err="1" smtClean="0"/>
+              <a:t>Name:lenovo-smartpad_ts</a:t>
+            </a:r>
+            <a:endParaRPr lang="en-US" altLang="zh-CN" dirty="0"/>
+          </a:p>
+          <a:p>
+            <a:r>
+              <a:rPr lang="en-US" altLang="zh-CN" dirty="0" err="1" smtClean="0"/>
+              <a:t>Value:ev_abs;ev_syn</a:t>
+            </a:r>
+            <a:endParaRPr lang="en-US" altLang="zh-CN" dirty="0"/>
+          </a:p>
+          <a:p>
+            <a:r>
+              <a:rPr lang="en-US" altLang="zh-CN" dirty="0"/>
+              <a:t>/</a:t>
+            </a:r>
+            <a:r>
+              <a:rPr lang="en-US" altLang="zh-CN" dirty="0" smtClean="0"/>
+              <a:t>dev/input/event10[</a:t>
+            </a:r>
+            <a:r>
+              <a:rPr lang="zh-CN" altLang="en-US" dirty="0" smtClean="0"/>
+              <a:t>转换后的键值</a:t>
+            </a:r>
+            <a:r>
+              <a:rPr lang="en-US" altLang="zh-CN" dirty="0" smtClean="0"/>
+              <a:t>]</a:t>
+            </a:r>
+            <a:endParaRPr lang="en-US" altLang="zh-CN" dirty="0"/>
+          </a:p>
+          <a:p>
+            <a:r>
+              <a:rPr lang="en-US" altLang="zh-CN" dirty="0" err="1" smtClean="0"/>
+              <a:t>Name:flat_keyboard</a:t>
+            </a:r>
+            <a:endParaRPr lang="en-US" altLang="zh-CN" dirty="0"/>
+          </a:p>
+          <a:p>
+            <a:r>
+              <a:rPr lang="en-US" altLang="zh-CN" dirty="0" err="1"/>
+              <a:t>Value:ev_key;ev_syn</a:t>
+            </a:r>
+            <a:endParaRPr lang="en-US" altLang="zh-CN" dirty="0"/>
+          </a:p>
+          <a:p>
+            <a:pPr lvl="1"/>
+            <a:endParaRPr lang="en-US" altLang="zh-CN" dirty="0" smtClean="0"/>
+          </a:p>
+          <a:p>
+            <a:pPr lvl="1"/>
+            <a:endParaRPr lang="en-US" altLang="zh-CN" dirty="0" smtClean="0"/>
+          </a:p>
+          <a:p>
+            <a:pPr lvl="1"/>
             <a:endParaRPr lang="zh-CN" altLang="en-US" dirty="0"/>
-          </a:p>
-        </p:txBody>
-      </p:sp>
-      <p:sp>
-        <p:nvSpPr>
-          <p:cNvPr id="3" name="内容占位符 2"/>
-          <p:cNvSpPr>
-            <a:spLocks noGrp="1"/>
-          </p:cNvSpPr>
-          <p:nvPr>
-            <p:ph idx="1"/>
-          </p:nvPr>
-        </p:nvSpPr>
-        <p:spPr/>
-        <p:txBody>
-          <a:bodyPr>
-            <a:normAutofit fontScale="55000" lnSpcReduction="20000"/>
-          </a:bodyPr>
-          <a:lstStyle/>
-          <a:p>
-            <a:pPr marL="0" indent="0">
-              <a:buNone/>
-            </a:pPr>
-            <a:r>
-              <a:rPr lang="en-US" altLang="zh-CN" dirty="0" smtClean="0"/>
-              <a:t>Firmware</a:t>
-            </a:r>
-          </a:p>
-          <a:p>
-            <a:pPr marL="0" indent="0">
-              <a:buNone/>
-            </a:pPr>
-            <a:r>
-              <a:rPr lang="en-US" altLang="zh-CN" dirty="0"/>
-              <a:t>	</a:t>
-            </a:r>
-            <a:r>
-              <a:rPr lang="en-US" altLang="zh-CN" dirty="0" smtClean="0"/>
-              <a:t>device/</a:t>
-            </a:r>
-            <a:r>
-              <a:rPr lang="en-US" altLang="zh-CN" dirty="0" err="1" smtClean="0"/>
-              <a:t>lenovo</a:t>
-            </a:r>
-            <a:r>
-              <a:rPr lang="en-US" altLang="zh-CN" dirty="0" smtClean="0"/>
-              <a:t>/common/</a:t>
-            </a:r>
-            <a:r>
-              <a:rPr lang="en-US" altLang="zh-CN" dirty="0" err="1" smtClean="0"/>
-              <a:t>wacom</a:t>
-            </a:r>
-            <a:endParaRPr lang="en-US" altLang="zh-CN" dirty="0" smtClean="0"/>
-          </a:p>
-          <a:p>
-            <a:pPr marL="0" indent="0">
-              <a:buNone/>
-            </a:pPr>
-            <a:r>
-              <a:rPr lang="en-US" altLang="zh-CN" dirty="0" smtClean="0"/>
-              <a:t>Driver</a:t>
-            </a:r>
-          </a:p>
-          <a:p>
-            <a:pPr marL="457200" lvl="1" indent="0">
-              <a:buNone/>
-            </a:pPr>
-            <a:r>
-              <a:rPr lang="en-US" altLang="zh-CN" dirty="0" smtClean="0"/>
-              <a:t>EMR1</a:t>
-            </a:r>
-          </a:p>
-          <a:p>
-            <a:pPr marL="914400" lvl="2" indent="0">
-              <a:buNone/>
-            </a:pPr>
-            <a:r>
-              <a:rPr lang="en-US" altLang="zh-CN" dirty="0" smtClean="0"/>
-              <a:t>arch\x86\platform\</a:t>
-            </a:r>
-            <a:r>
-              <a:rPr lang="en-US" altLang="zh-CN" dirty="0" err="1" smtClean="0"/>
-              <a:t>intel</a:t>
-            </a:r>
-            <a:r>
-              <a:rPr lang="en-US" altLang="zh-CN" dirty="0" smtClean="0"/>
-              <a:t>-mid\</a:t>
-            </a:r>
-            <a:r>
-              <a:rPr lang="en-US" altLang="zh-CN" dirty="0" err="1" smtClean="0"/>
-              <a:t>device_libs</a:t>
-            </a:r>
-            <a:r>
-              <a:rPr lang="en-US" altLang="zh-CN" dirty="0" smtClean="0"/>
-              <a:t>\ </a:t>
-            </a:r>
-            <a:r>
-              <a:rPr lang="en-US" altLang="zh-CN" dirty="0" err="1"/>
-              <a:t>p</a:t>
-            </a:r>
-            <a:r>
-              <a:rPr lang="en-US" altLang="zh-CN" dirty="0" err="1" smtClean="0"/>
-              <a:t>latform_wacom.c</a:t>
-            </a:r>
-            <a:r>
-              <a:rPr lang="en-US" altLang="zh-CN" dirty="0" smtClean="0"/>
-              <a:t> </a:t>
-            </a:r>
-            <a:endParaRPr lang="zh-CN" altLang="zh-CN" dirty="0" smtClean="0"/>
-          </a:p>
-          <a:p>
-            <a:pPr marL="914400" lvl="2" indent="0">
-              <a:buNone/>
-            </a:pPr>
-            <a:r>
-              <a:rPr lang="en-US" altLang="zh-CN" dirty="0" smtClean="0"/>
-              <a:t> drivers\input\</a:t>
-            </a:r>
-            <a:r>
-              <a:rPr lang="en-US" altLang="zh-CN" dirty="0" err="1" smtClean="0"/>
-              <a:t>touchscreen</a:t>
-            </a:r>
-            <a:r>
-              <a:rPr lang="en-US" altLang="zh-CN" dirty="0" smtClean="0"/>
-              <a:t>\wacom_i2c.c</a:t>
-            </a:r>
-          </a:p>
-          <a:p>
-            <a:pPr marL="0" lvl="2" indent="0">
-              <a:buNone/>
-            </a:pPr>
-            <a:r>
-              <a:rPr lang="en-US" altLang="zh-CN" sz="3200" dirty="0" smtClean="0"/>
-              <a:t>Header </a:t>
-            </a:r>
-            <a:r>
-              <a:rPr lang="en-US" altLang="zh-CN" sz="3200" dirty="0"/>
-              <a:t>file</a:t>
-            </a:r>
-          </a:p>
-          <a:p>
-            <a:pPr marL="914400" lvl="2" indent="0">
-              <a:buNone/>
-            </a:pPr>
-            <a:r>
-              <a:rPr lang="en-US" altLang="zh-CN" dirty="0" smtClean="0"/>
-              <a:t> include\linux\input\ </a:t>
-            </a:r>
-            <a:r>
-              <a:rPr lang="en-US" altLang="zh-CN" dirty="0" err="1" smtClean="0"/>
-              <a:t>wacom.h</a:t>
-            </a:r>
-            <a:endParaRPr lang="en-US" altLang="zh-CN" dirty="0"/>
-          </a:p>
-          <a:p>
-            <a:pPr marL="114300" indent="0">
-              <a:buNone/>
-            </a:pPr>
-            <a:r>
-              <a:rPr lang="en-US" altLang="zh-CN" dirty="0" smtClean="0"/>
-              <a:t>UPDATA firmware</a:t>
-            </a:r>
-          </a:p>
-          <a:p>
-            <a:pPr marL="114300" indent="0">
-              <a:buNone/>
-            </a:pPr>
-            <a:r>
-              <a:rPr lang="en-US" altLang="zh-CN" dirty="0"/>
-              <a:t>	</a:t>
-            </a:r>
-            <a:r>
-              <a:rPr lang="en-US" altLang="zh-CN" dirty="0" smtClean="0"/>
-              <a:t>vendor/lenovo/common/common.mk</a:t>
-            </a:r>
-          </a:p>
-          <a:p>
-            <a:pPr marL="114300" indent="0">
-              <a:buNone/>
-            </a:pPr>
-            <a:r>
-              <a:rPr lang="en-US" altLang="zh-CN" dirty="0"/>
-              <a:t>	</a:t>
-            </a:r>
-            <a:r>
-              <a:rPr lang="en-US" altLang="zh-CN" dirty="0" smtClean="0"/>
-              <a:t>vendor/</a:t>
-            </a:r>
-            <a:r>
-              <a:rPr lang="en-US" altLang="zh-CN" dirty="0" err="1" smtClean="0"/>
-              <a:t>lenovo</a:t>
-            </a:r>
-            <a:r>
-              <a:rPr lang="en-US" altLang="zh-CN" dirty="0" smtClean="0"/>
-              <a:t>/</a:t>
-            </a:r>
-            <a:r>
-              <a:rPr lang="en-US" altLang="zh-CN" dirty="0" err="1" smtClean="0"/>
-              <a:t>wacom</a:t>
-            </a:r>
-            <a:r>
-              <a:rPr lang="en-US" altLang="zh-CN" dirty="0" smtClean="0"/>
-              <a:t>/</a:t>
-            </a:r>
-          </a:p>
-          <a:p>
-            <a:pPr marL="0" indent="0">
-              <a:buNone/>
-            </a:pPr>
-            <a:r>
-              <a:rPr lang="en-US" altLang="zh-CN" dirty="0" smtClean="0"/>
-              <a:t>Device node</a:t>
-            </a:r>
-          </a:p>
-          <a:p>
-            <a:pPr marL="457200" lvl="1" indent="0">
-              <a:buNone/>
-            </a:pPr>
-            <a:r>
-              <a:rPr lang="en-US" altLang="zh-CN" dirty="0" smtClean="0"/>
-              <a:t>/sys/bus/i2c/devices/3-0009</a:t>
-            </a:r>
-          </a:p>
-          <a:p>
-            <a:pPr marL="457200" lvl="1" indent="0">
-              <a:buNone/>
-            </a:pPr>
-            <a:r>
-              <a:rPr lang="en-US" altLang="zh-CN" dirty="0" smtClean="0"/>
-              <a:t>/sys/class/input/input10</a:t>
-            </a:r>
-          </a:p>
-          <a:p>
-            <a:pPr marL="457200" lvl="1" indent="0">
-              <a:buNone/>
-            </a:pPr>
-            <a:r>
-              <a:rPr lang="en-US" altLang="zh-CN" dirty="0" smtClean="0"/>
-              <a:t>Input 7 in YETIN</a:t>
-            </a:r>
-          </a:p>
-          <a:p>
-            <a:pPr marL="457200" lvl="1" indent="0">
-              <a:buNone/>
-            </a:pPr>
-            <a:r>
-              <a:rPr lang="en-US" altLang="zh-CN" dirty="0" smtClean="0"/>
-              <a:t>input8</a:t>
-            </a:r>
-          </a:p>
-          <a:p>
-            <a:pPr marL="457200" lvl="1" indent="0">
-              <a:buNone/>
-            </a:pPr>
-            <a:r>
-              <a:rPr lang="en-US" altLang="zh-CN" dirty="0" smtClean="0"/>
-              <a:t>Access EMR HW by I2C bus</a:t>
-            </a:r>
-          </a:p>
-          <a:p>
-            <a:pPr marL="457200" lvl="1" indent="0">
-              <a:buNone/>
-            </a:pPr>
-            <a:r>
-              <a:rPr lang="en-US" altLang="zh-CN" dirty="0" smtClean="0"/>
-              <a:t>Report coordinate and key data by input sub-system</a:t>
-            </a:r>
-          </a:p>
-          <a:p>
-            <a:pPr marL="457200" lvl="1" indent="0">
-              <a:buNone/>
-            </a:pPr>
-            <a:endParaRPr lang="en-US" altLang="zh-CN" dirty="0" smtClean="0"/>
           </a:p>
         </p:txBody>
       </p:sp>
@@ -6449,14 +7012,25 @@
             <p:ph type="title"/>
           </p:nvPr>
         </p:nvSpPr>
-        <p:spPr/>
-        <p:txBody>
-          <a:bodyPr/>
-          <a:lstStyle/>
-          <a:p>
-            <a:r>
-              <a:rPr lang="en-US" altLang="zh-CN" dirty="0" smtClean="0"/>
-              <a:t>SAR Sensor</a:t>
+        <p:spPr>
+          <a:xfrm>
+            <a:off x="467544" y="116632"/>
+            <a:ext cx="8229600" cy="1143000"/>
+          </a:xfrm>
+        </p:spPr>
+        <p:txBody>
+          <a:bodyPr>
+            <a:normAutofit/>
+          </a:bodyPr>
+          <a:lstStyle/>
+          <a:p>
+            <a:r>
+              <a:rPr lang="en-US" altLang="zh-CN" dirty="0" smtClean="0"/>
+              <a:t>EMR</a:t>
+            </a:r>
+            <a:r>
+              <a:rPr lang="zh-CN" altLang="en-US" dirty="0" smtClean="0"/>
+              <a:t>（画板）</a:t>
             </a:r>
             <a:endParaRPr lang="zh-CN" altLang="en-US" dirty="0"/>
           </a:p>
@@ -6475,182 +7049,247 @@
         <p:spPr/>
         <p:txBody>
           <a:bodyPr>
-            <a:normAutofit fontScale="70000" lnSpcReduction="20000"/>
+            <a:normAutofit fontScale="55000" lnSpcReduction="20000"/>
           </a:bodyPr>
           <a:lstStyle/>
           <a:p>
+            <a:pPr marL="0" indent="0">
+              <a:buNone/>
+            </a:pPr>
+            <a:r>
+              <a:rPr lang="en-US" altLang="zh-CN" dirty="0" smtClean="0"/>
+              <a:t>Firmware</a:t>
+            </a:r>
+          </a:p>
+          <a:p>
+            <a:pPr marL="0" indent="0">
+              <a:buNone/>
+            </a:pPr>
+            <a:r>
+              <a:rPr lang="en-US" altLang="zh-CN" dirty="0"/>
+              <a:t>	</a:t>
+            </a:r>
+            <a:r>
+              <a:rPr lang="en-US" altLang="zh-CN" dirty="0" smtClean="0"/>
+              <a:t>device/</a:t>
+            </a:r>
+            <a:r>
+              <a:rPr lang="en-US" altLang="zh-CN" dirty="0" err="1" smtClean="0"/>
+              <a:t>lenovo</a:t>
+            </a:r>
+            <a:r>
+              <a:rPr lang="en-US" altLang="zh-CN" dirty="0" smtClean="0"/>
+              <a:t>/common/</a:t>
+            </a:r>
+            <a:r>
+              <a:rPr lang="en-US" altLang="zh-CN" dirty="0" err="1" smtClean="0"/>
+              <a:t>wacom</a:t>
+            </a:r>
+            <a:endParaRPr lang="en-US" altLang="zh-CN" dirty="0" smtClean="0"/>
+          </a:p>
+          <a:p>
+            <a:pPr marL="0" indent="0">
+              <a:buNone/>
+            </a:pPr>
             <a:r>
               <a:rPr lang="en-US" altLang="zh-CN" dirty="0" smtClean="0"/>
               <a:t>Driver</a:t>
             </a:r>
           </a:p>
           <a:p>
-            <a:pPr lvl="1"/>
-            <a:r>
-              <a:rPr lang="en-US" altLang="zh-CN" dirty="0" smtClean="0"/>
-              <a:t>drivers\input\misc\</a:t>
-            </a:r>
-            <a:r>
-              <a:rPr lang="en-US" altLang="zh-CN" dirty="0" err="1" smtClean="0"/>
-              <a:t>smtc</a:t>
-            </a:r>
+            <a:pPr marL="914400" lvl="2" indent="0">
+              <a:buNone/>
+            </a:pPr>
+            <a:r>
+              <a:rPr lang="en-US" altLang="zh-CN" dirty="0" smtClean="0"/>
+              <a:t>arch\x86\platform\</a:t>
+            </a:r>
+            <a:r>
+              <a:rPr lang="en-US" altLang="zh-CN" dirty="0" err="1" smtClean="0"/>
+              <a:t>intel</a:t>
+            </a:r>
+            <a:r>
+              <a:rPr lang="en-US" altLang="zh-CN" dirty="0" smtClean="0"/>
+              <a:t>-mid\</a:t>
+            </a:r>
+            <a:r>
+              <a:rPr lang="en-US" altLang="zh-CN" dirty="0" err="1" smtClean="0"/>
+              <a:t>device_libs</a:t>
+            </a:r>
+            <a:r>
+              <a:rPr lang="en-US" altLang="zh-CN" dirty="0" smtClean="0"/>
+              <a:t>\ </a:t>
+            </a:r>
+            <a:r>
+              <a:rPr lang="en-US" altLang="zh-CN" dirty="0" err="1"/>
+              <a:t>p</a:t>
+            </a:r>
+            <a:r>
+              <a:rPr lang="en-US" altLang="zh-CN" dirty="0" err="1" smtClean="0"/>
+              <a:t>latform_wacom.c</a:t>
+            </a:r>
+            <a:r>
+              <a:rPr lang="en-US" altLang="zh-CN" dirty="0" smtClean="0"/>
+              <a:t> </a:t>
+            </a:r>
+            <a:endParaRPr lang="zh-CN" altLang="zh-CN" dirty="0" smtClean="0"/>
+          </a:p>
+          <a:p>
+            <a:pPr marL="914400" lvl="2" indent="0">
+              <a:buNone/>
+            </a:pPr>
+            <a:r>
+              <a:rPr lang="en-US" altLang="zh-CN" dirty="0" smtClean="0"/>
+              <a:t> drivers\input\touchscreen\wacom_i2c.c</a:t>
+            </a:r>
+            <a:endParaRPr lang="en-US" altLang="zh-CN" sz="3200" dirty="0"/>
+          </a:p>
+          <a:p>
+            <a:pPr marL="914400" lvl="2" indent="0">
+              <a:buNone/>
+            </a:pPr>
+            <a:r>
+              <a:rPr lang="en-US" altLang="zh-CN" dirty="0" smtClean="0"/>
+              <a:t> include\linux\input\ </a:t>
+            </a:r>
+            <a:r>
+              <a:rPr lang="en-US" altLang="zh-CN" dirty="0" err="1" smtClean="0"/>
+              <a:t>wacom.h</a:t>
+            </a:r>
+            <a:endParaRPr lang="en-US" altLang="zh-CN" dirty="0"/>
+          </a:p>
+          <a:p>
+            <a:pPr marL="114300" indent="0">
+              <a:buNone/>
+            </a:pPr>
+            <a:r>
+              <a:rPr lang="en-US" altLang="zh-CN" dirty="0" smtClean="0"/>
+              <a:t>UPDATA firmware</a:t>
+            </a:r>
+          </a:p>
+          <a:p>
+            <a:pPr marL="114300" indent="0">
+              <a:buNone/>
+            </a:pPr>
+            <a:r>
+              <a:rPr lang="en-US" altLang="zh-CN" dirty="0"/>
+              <a:t>	</a:t>
+            </a:r>
+            <a:r>
+              <a:rPr lang="en-US" altLang="zh-CN" dirty="0" smtClean="0"/>
+              <a:t>vendor/lenovo/common/common.mk</a:t>
+            </a:r>
+          </a:p>
+          <a:p>
+            <a:pPr marL="114300" indent="0">
+              <a:buNone/>
+            </a:pPr>
+            <a:r>
+              <a:rPr lang="en-US" altLang="zh-CN" dirty="0"/>
+              <a:t>	</a:t>
+            </a:r>
+            <a:r>
+              <a:rPr lang="en-US" altLang="zh-CN" dirty="0" smtClean="0"/>
+              <a:t>vendor/</a:t>
+            </a:r>
+            <a:r>
+              <a:rPr lang="en-US" altLang="zh-CN" dirty="0" err="1" smtClean="0"/>
+              <a:t>lenovo</a:t>
+            </a:r>
+            <a:r>
+              <a:rPr lang="en-US" altLang="zh-CN" dirty="0" smtClean="0"/>
+              <a:t>/</a:t>
+            </a:r>
+            <a:r>
+              <a:rPr lang="en-US" altLang="zh-CN" dirty="0" err="1" smtClean="0"/>
+              <a:t>wacom</a:t>
+            </a:r>
+            <a:r>
+              <a:rPr lang="en-US" altLang="zh-CN" dirty="0" smtClean="0"/>
+              <a:t>/</a:t>
+            </a:r>
+          </a:p>
+          <a:p>
+            <a:pPr marL="0" indent="0">
+              <a:buNone/>
+            </a:pPr>
+            <a:r>
+              <a:rPr lang="en-US" altLang="zh-CN" dirty="0" smtClean="0"/>
+              <a:t>Device node</a:t>
+            </a:r>
+          </a:p>
+          <a:p>
+            <a:pPr marL="457200" lvl="1" indent="0">
+              <a:buNone/>
+            </a:pPr>
+            <a:r>
+              <a:rPr lang="en-US" altLang="zh-CN" dirty="0" smtClean="0"/>
+              <a:t>/sys/bus/i2c/devices/3-0009</a:t>
+            </a:r>
+          </a:p>
+          <a:p>
+            <a:pPr marL="457200" lvl="1" indent="0">
+              <a:buNone/>
+            </a:pPr>
+            <a:r>
+              <a:rPr lang="en-US" altLang="zh-CN" dirty="0" smtClean="0"/>
+              <a:t>/sys/class/input/input8</a:t>
+            </a:r>
+          </a:p>
+          <a:p>
+            <a:pPr marL="457200" lvl="1" indent="0">
+              <a:buNone/>
+            </a:pPr>
+            <a:r>
+              <a:rPr lang="en-US" altLang="zh-CN" dirty="0" smtClean="0"/>
+              <a:t>Access EMR HW by I2C bus</a:t>
+            </a:r>
+          </a:p>
+          <a:p>
+            <a:pPr marL="457200" lvl="1" indent="0">
+              <a:buNone/>
+            </a:pPr>
+            <a:r>
+              <a:rPr lang="en-US" altLang="zh-CN" dirty="0" smtClean="0"/>
+              <a:t>Report coordinate and key data by input sub-system</a:t>
+            </a:r>
+          </a:p>
+          <a:p>
+            <a:r>
+              <a:rPr lang="en-US" altLang="zh-CN" dirty="0"/>
+              <a:t>/</a:t>
+            </a:r>
+            <a:r>
+              <a:rPr lang="en-US" altLang="zh-CN" dirty="0" smtClean="0"/>
+              <a:t>dev/input/event8</a:t>
+            </a:r>
+            <a:endParaRPr lang="en-US" altLang="zh-CN" dirty="0"/>
+          </a:p>
+          <a:p>
+            <a:r>
+              <a:rPr lang="en-US" altLang="zh-CN" dirty="0" smtClean="0"/>
+              <a:t>Name:wacom_i2c_digitizer</a:t>
+            </a:r>
+            <a:endParaRPr lang="en-US" altLang="zh-CN" dirty="0"/>
+          </a:p>
+          <a:p>
+            <a:r>
+              <a:rPr lang="en-US" altLang="zh-CN" dirty="0" err="1" smtClean="0"/>
+              <a:t>Value:ev_key,ev_abs.ev_syn</a:t>
+            </a:r>
+            <a:endParaRPr lang="zh-CN" altLang="en-US" dirty="0"/>
+          </a:p>
+          <a:p>
+            <a:pPr marL="457200" lvl="1" indent="0">
+              <a:buNone/>
+            </a:pPr>
             <a:endParaRPr lang="en-US" altLang="zh-CN" dirty="0" smtClean="0"/>
           </a:p>
           <a:p>
-            <a:pPr lvl="1"/>
-            <a:r>
-              <a:rPr lang="en-US" altLang="zh-CN" dirty="0" smtClean="0"/>
-              <a:t>arch\x86\platform\intel-mid\</a:t>
-            </a:r>
-            <a:r>
-              <a:rPr lang="en-US" altLang="zh-CN" dirty="0" err="1" smtClean="0"/>
-              <a:t>device_libs</a:t>
-            </a:r>
-            <a:r>
-              <a:rPr lang="en-US" altLang="zh-CN" dirty="0" smtClean="0"/>
-              <a:t>\ platform_sx9310.c </a:t>
-            </a:r>
-          </a:p>
-          <a:p>
-            <a:pPr lvl="1"/>
-            <a:r>
-              <a:rPr lang="en-US" altLang="zh-CN" dirty="0" smtClean="0"/>
-              <a:t>Include\linux\input\</a:t>
-            </a:r>
-            <a:r>
-              <a:rPr lang="en-US" altLang="zh-CN" dirty="0" err="1" smtClean="0"/>
-              <a:t>smtc</a:t>
-            </a:r>
-            <a:r>
-              <a:rPr lang="en-US" altLang="zh-CN" dirty="0" smtClean="0"/>
-              <a:t>\</a:t>
-            </a:r>
-          </a:p>
-          <a:p>
-            <a:r>
-              <a:rPr lang="en-US" altLang="zh-CN" dirty="0" smtClean="0"/>
-              <a:t>Device node</a:t>
-            </a:r>
-          </a:p>
-          <a:p>
-            <a:pPr lvl="1"/>
-            <a:r>
-              <a:rPr lang="en-US" altLang="zh-CN" dirty="0" smtClean="0"/>
-              <a:t>/sys/bus/i2c/devices/1-0028</a:t>
-            </a:r>
-          </a:p>
-          <a:p>
-            <a:pPr lvl="1"/>
-            <a:r>
-              <a:rPr lang="en-US" altLang="zh-CN" dirty="0" smtClean="0"/>
-              <a:t>/sys/bus/i2c/devices/3-0028[N not have]</a:t>
-            </a:r>
-          </a:p>
-          <a:p>
-            <a:pPr lvl="2"/>
-            <a:r>
-              <a:rPr lang="en-US" altLang="zh-CN" dirty="0" smtClean="0"/>
-              <a:t>&amp;</a:t>
-            </a:r>
-            <a:r>
-              <a:rPr lang="en-US" altLang="zh-CN" dirty="0" err="1" smtClean="0"/>
-              <a:t>dev_attr_calibrate.attr</a:t>
-            </a:r>
-            <a:r>
-              <a:rPr lang="en-US" altLang="zh-CN" dirty="0" smtClean="0"/>
-              <a:t>,</a:t>
-            </a:r>
-          </a:p>
-          <a:p>
-            <a:pPr lvl="2"/>
-            <a:r>
-              <a:rPr lang="en-US" altLang="zh-CN" dirty="0" smtClean="0"/>
-              <a:t>&amp;</a:t>
-            </a:r>
-            <a:r>
-              <a:rPr lang="en-US" altLang="zh-CN" dirty="0" err="1" smtClean="0"/>
-              <a:t>dev_attr_reg.attr</a:t>
-            </a:r>
-            <a:r>
-              <a:rPr lang="en-US" altLang="zh-CN" dirty="0" smtClean="0"/>
-              <a:t>,</a:t>
-            </a:r>
-          </a:p>
-          <a:p>
-            <a:pPr lvl="2"/>
-            <a:r>
-              <a:rPr lang="en-US" altLang="zh-CN" dirty="0" smtClean="0"/>
-              <a:t>&amp;</a:t>
-            </a:r>
-            <a:r>
-              <a:rPr lang="en-US" altLang="zh-CN" dirty="0" err="1" smtClean="0"/>
-              <a:t>dev_attr_status.attr</a:t>
-            </a:r>
-            <a:r>
-              <a:rPr lang="en-US" altLang="zh-CN" dirty="0" smtClean="0"/>
-              <a:t>,[0.1.2.3]</a:t>
-            </a:r>
-          </a:p>
-          <a:p>
-            <a:pPr lvl="2"/>
-            <a:r>
-              <a:rPr lang="en-US" altLang="zh-CN" dirty="0" smtClean="0"/>
-              <a:t>&amp;</a:t>
-            </a:r>
-            <a:r>
-              <a:rPr lang="en-US" altLang="zh-CN" dirty="0" err="1" smtClean="0"/>
-              <a:t>dev_attr_enable.attr</a:t>
-            </a:r>
-            <a:r>
-              <a:rPr lang="en-US" altLang="zh-CN" dirty="0" smtClean="0"/>
-              <a:t>,</a:t>
-            </a:r>
-          </a:p>
-          <a:p>
-            <a:pPr lvl="2"/>
-            <a:r>
-              <a:rPr lang="en-US" altLang="zh-CN" dirty="0"/>
-              <a:t>&amp;</a:t>
-            </a:r>
-            <a:r>
-              <a:rPr lang="en-US" altLang="zh-CN" dirty="0" err="1" smtClean="0"/>
-              <a:t>dev_attr_sarconfig.attr</a:t>
-            </a:r>
-            <a:r>
-              <a:rPr lang="en-US" altLang="zh-CN" dirty="0"/>
-              <a:t>,</a:t>
-            </a:r>
-            <a:endParaRPr lang="zh-CN" altLang="en-US" dirty="0"/>
-          </a:p>
-          <a:p>
-            <a:pPr marL="914400" lvl="2" indent="0">
+            <a:pPr marL="457200" lvl="1" indent="0">
               <a:buNone/>
             </a:pPr>
-            <a:endParaRPr lang="zh-CN" altLang="en-US" dirty="0" smtClean="0"/>
-          </a:p>
-          <a:p>
-            <a:pPr lvl="1"/>
-            <a:r>
-              <a:rPr lang="en-US" altLang="zh-CN" dirty="0" smtClean="0">
-                <a:solidFill>
-                  <a:srgbClr val="FF0000"/>
-                </a:solidFill>
-              </a:rPr>
-              <a:t>Store/get </a:t>
-            </a:r>
-            <a:r>
-              <a:rPr lang="zh-CN" altLang="en-US" dirty="0" smtClean="0">
-                <a:solidFill>
-                  <a:srgbClr val="FF0000"/>
-                </a:solidFill>
-              </a:rPr>
-              <a:t>函数没有用锁保护，需添加</a:t>
-            </a:r>
-            <a:endParaRPr lang="zh-CN" altLang="en-US" dirty="0">
-              <a:solidFill>
-                <a:srgbClr val="FF0000"/>
-              </a:solidFill>
-            </a:endParaRPr>
+            <a:endParaRPr lang="en-US" altLang="zh-CN" dirty="0" smtClean="0"/>
           </a:p>
         </p:txBody>
       </p:sp>

--- a/doc/Yeti_device_driver_list.pptx
+++ b/doc/Yeti_device_driver_list.pptx
@@ -211,7 +211,7 @@
           <a:p>
             <a:fld id="{D2595E78-9B78-4B50-AE5A-474038A4AFB8}" type="datetimeFigureOut">
               <a:rPr lang="zh-CN" altLang="en-US" smtClean="0"/>
-              <a:t>2017/3/7</a:t>
+              <a:t>2017/4/11</a:t>
             </a:fld>
             <a:endParaRPr lang="zh-CN" altLang="en-US"/>
           </a:p>
@@ -920,6 +920,130 @@
 </p:notes>
 </file>
 
+<file path=ppt/notesSlides/notesSlide3.xml><?xml version="1.0" encoding="utf-8"?>
+<p:notes xmlns:a="http://schemas.openxmlformats.org/drawingml/2006/main" xmlns:r="http://schemas.openxmlformats.org/officeDocument/2006/relationships" xmlns:p="http://schemas.openxmlformats.org/presentationml/2006/main">
+  <p:cSld>
+    <p:spTree>
+      <p:nvGrpSpPr>
+        <p:cNvPr id="1" name=""/>
+        <p:cNvGrpSpPr/>
+        <p:nvPr/>
+      </p:nvGrpSpPr>
+      <p:grpSpPr>
+        <a:xfrm>
+          <a:off x="0" y="0"/>
+          <a:ext cx="0" cy="0"/>
+          <a:chOff x="0" y="0"/>
+          <a:chExt cx="0" cy="0"/>
+        </a:xfrm>
+      </p:grpSpPr>
+      <p:sp>
+        <p:nvSpPr>
+          <p:cNvPr id="2" name="幻灯片图像占位符 1"/>
+          <p:cNvSpPr>
+            <a:spLocks noGrp="1" noRot="1" noChangeAspect="1"/>
+          </p:cNvSpPr>
+          <p:nvPr>
+            <p:ph type="sldImg"/>
+          </p:nvPr>
+        </p:nvSpPr>
+        <p:spPr/>
+      </p:sp>
+      <p:sp>
+        <p:nvSpPr>
+          <p:cNvPr id="3" name="备注占位符 2"/>
+          <p:cNvSpPr>
+            <a:spLocks noGrp="1"/>
+          </p:cNvSpPr>
+          <p:nvPr>
+            <p:ph type="body" idx="1"/>
+          </p:nvPr>
+        </p:nvSpPr>
+        <p:spPr/>
+        <p:txBody>
+          <a:bodyPr/>
+          <a:lstStyle/>
+          <a:p>
+            <a:r>
+              <a:rPr lang="en-US" altLang="zh-CN" dirty="0" smtClean="0"/>
+              <a:t>Hinge-sensor </a:t>
+            </a:r>
+            <a:r>
+              <a:rPr lang="zh-CN" altLang="en-US" dirty="0" smtClean="0"/>
+              <a:t>判断角度</a:t>
+            </a:r>
+            <a:r>
+              <a:rPr lang="en-US" altLang="zh-CN" dirty="0" smtClean="0"/>
+              <a:t>0《x《360</a:t>
+            </a:r>
+            <a:r>
+              <a:rPr lang="zh-CN" altLang="en-US" dirty="0" smtClean="0"/>
+              <a:t>；</a:t>
+            </a:r>
+            <a:r>
+              <a:rPr lang="en-US" altLang="zh-CN" dirty="0" smtClean="0"/>
+              <a:t>hall</a:t>
+            </a:r>
+            <a:r>
+              <a:rPr lang="zh-CN" altLang="en-US" dirty="0" smtClean="0"/>
+              <a:t>判断</a:t>
+            </a:r>
+            <a:r>
+              <a:rPr lang="en-US" altLang="zh-CN" dirty="0" smtClean="0"/>
+              <a:t>0</a:t>
+            </a:r>
+            <a:r>
+              <a:rPr lang="zh-CN" altLang="en-US" dirty="0" smtClean="0"/>
+              <a:t>与</a:t>
+            </a:r>
+            <a:r>
+              <a:rPr lang="en-US" altLang="zh-CN" dirty="0" smtClean="0"/>
+              <a:t>360</a:t>
+            </a:r>
+            <a:r>
+              <a:rPr lang="zh-CN" altLang="en-US" dirty="0" smtClean="0"/>
+              <a:t>两个角度</a:t>
+            </a:r>
+            <a:endParaRPr lang="zh-CN" altLang="en-US" dirty="0"/>
+          </a:p>
+        </p:txBody>
+      </p:sp>
+      <p:sp>
+        <p:nvSpPr>
+          <p:cNvPr id="4" name="灯片编号占位符 3"/>
+          <p:cNvSpPr>
+            <a:spLocks noGrp="1"/>
+          </p:cNvSpPr>
+          <p:nvPr>
+            <p:ph type="sldNum" sz="quarter" idx="10"/>
+          </p:nvPr>
+        </p:nvSpPr>
+        <p:spPr/>
+        <p:txBody>
+          <a:bodyPr/>
+          <a:lstStyle/>
+          <a:p>
+            <a:fld id="{ED70A951-8D21-4173-9A26-6F5586ACE909}" type="slidenum">
+              <a:rPr lang="zh-CN" altLang="en-US" smtClean="0"/>
+              <a:t>11</a:t>
+            </a:fld>
+            <a:endParaRPr lang="zh-CN" altLang="en-US"/>
+          </a:p>
+        </p:txBody>
+      </p:sp>
+    </p:spTree>
+    <p:extLst>
+      <p:ext uri="{BB962C8B-B14F-4D97-AF65-F5344CB8AC3E}">
+        <p14:creationId xmlns:p14="http://schemas.microsoft.com/office/powerpoint/2010/main" val="161365953"/>
+      </p:ext>
+    </p:extLst>
+  </p:cSld>
+  <p:clrMapOvr>
+    <a:masterClrMapping/>
+  </p:clrMapOvr>
+</p:notes>
+</file>
+
 <file path=ppt/slideLayouts/slideLayout1.xml><?xml version="1.0" encoding="utf-8"?>
 <p:sldLayout xmlns:a="http://schemas.openxmlformats.org/drawingml/2006/main" xmlns:r="http://schemas.openxmlformats.org/officeDocument/2006/relationships" xmlns:p="http://schemas.openxmlformats.org/presentationml/2006/main" type="title" preserve="1">
   <p:cSld name="标题幻灯片">
@@ -1102,7 +1226,7 @@
             <a:fld id="{5A7BD1E9-E818-4EDB-BE12-72721BB07FFA}" type="datetimeFigureOut">
               <a:rPr lang="zh-CN" altLang="en-US" smtClean="0"/>
               <a:pPr/>
-              <a:t>2017/3/7</a:t>
+              <a:t>2017/4/11</a:t>
             </a:fld>
             <a:endParaRPr lang="zh-CN" altLang="en-US"/>
           </a:p>
@@ -1269,7 +1393,7 @@
             <a:fld id="{5A7BD1E9-E818-4EDB-BE12-72721BB07FFA}" type="datetimeFigureOut">
               <a:rPr lang="zh-CN" altLang="en-US" smtClean="0"/>
               <a:pPr/>
-              <a:t>2017/3/7</a:t>
+              <a:t>2017/4/11</a:t>
             </a:fld>
             <a:endParaRPr lang="zh-CN" altLang="en-US"/>
           </a:p>
@@ -1446,7 +1570,7 @@
             <a:fld id="{5A7BD1E9-E818-4EDB-BE12-72721BB07FFA}" type="datetimeFigureOut">
               <a:rPr lang="zh-CN" altLang="en-US" smtClean="0"/>
               <a:pPr/>
-              <a:t>2017/3/7</a:t>
+              <a:t>2017/4/11</a:t>
             </a:fld>
             <a:endParaRPr lang="zh-CN" altLang="en-US"/>
           </a:p>
@@ -1613,7 +1737,7 @@
             <a:fld id="{5A7BD1E9-E818-4EDB-BE12-72721BB07FFA}" type="datetimeFigureOut">
               <a:rPr lang="zh-CN" altLang="en-US" smtClean="0"/>
               <a:pPr/>
-              <a:t>2017/3/7</a:t>
+              <a:t>2017/4/11</a:t>
             </a:fld>
             <a:endParaRPr lang="zh-CN" altLang="en-US"/>
           </a:p>
@@ -1856,7 +1980,7 @@
             <a:fld id="{5A7BD1E9-E818-4EDB-BE12-72721BB07FFA}" type="datetimeFigureOut">
               <a:rPr lang="zh-CN" altLang="en-US" smtClean="0"/>
               <a:pPr/>
-              <a:t>2017/3/7</a:t>
+              <a:t>2017/4/11</a:t>
             </a:fld>
             <a:endParaRPr lang="zh-CN" altLang="en-US"/>
           </a:p>
@@ -2141,7 +2265,7 @@
             <a:fld id="{5A7BD1E9-E818-4EDB-BE12-72721BB07FFA}" type="datetimeFigureOut">
               <a:rPr lang="zh-CN" altLang="en-US" smtClean="0"/>
               <a:pPr/>
-              <a:t>2017/3/7</a:t>
+              <a:t>2017/4/11</a:t>
             </a:fld>
             <a:endParaRPr lang="zh-CN" altLang="en-US"/>
           </a:p>
@@ -2560,7 +2684,7 @@
             <a:fld id="{5A7BD1E9-E818-4EDB-BE12-72721BB07FFA}" type="datetimeFigureOut">
               <a:rPr lang="zh-CN" altLang="en-US" smtClean="0"/>
               <a:pPr/>
-              <a:t>2017/3/7</a:t>
+              <a:t>2017/4/11</a:t>
             </a:fld>
             <a:endParaRPr lang="zh-CN" altLang="en-US"/>
           </a:p>
@@ -2675,7 +2799,7 @@
             <a:fld id="{5A7BD1E9-E818-4EDB-BE12-72721BB07FFA}" type="datetimeFigureOut">
               <a:rPr lang="zh-CN" altLang="en-US" smtClean="0"/>
               <a:pPr/>
-              <a:t>2017/3/7</a:t>
+              <a:t>2017/4/11</a:t>
             </a:fld>
             <a:endParaRPr lang="zh-CN" altLang="en-US"/>
           </a:p>
@@ -2767,7 +2891,7 @@
             <a:fld id="{5A7BD1E9-E818-4EDB-BE12-72721BB07FFA}" type="datetimeFigureOut">
               <a:rPr lang="zh-CN" altLang="en-US" smtClean="0"/>
               <a:pPr/>
-              <a:t>2017/3/7</a:t>
+              <a:t>2017/4/11</a:t>
             </a:fld>
             <a:endParaRPr lang="zh-CN" altLang="en-US"/>
           </a:p>
@@ -3041,7 +3165,7 @@
             <a:fld id="{5A7BD1E9-E818-4EDB-BE12-72721BB07FFA}" type="datetimeFigureOut">
               <a:rPr lang="zh-CN" altLang="en-US" smtClean="0"/>
               <a:pPr/>
-              <a:t>2017/3/7</a:t>
+              <a:t>2017/4/11</a:t>
             </a:fld>
             <a:endParaRPr lang="zh-CN" altLang="en-US"/>
           </a:p>
@@ -3291,7 +3415,7 @@
             <a:fld id="{5A7BD1E9-E818-4EDB-BE12-72721BB07FFA}" type="datetimeFigureOut">
               <a:rPr lang="zh-CN" altLang="en-US" smtClean="0"/>
               <a:pPr/>
-              <a:t>2017/3/7</a:t>
+              <a:t>2017/4/11</a:t>
             </a:fld>
             <a:endParaRPr lang="zh-CN" altLang="en-US"/>
           </a:p>
@@ -3501,7 +3625,7 @@
             <a:fld id="{5A7BD1E9-E818-4EDB-BE12-72721BB07FFA}" type="datetimeFigureOut">
               <a:rPr lang="zh-CN" altLang="en-US" smtClean="0"/>
               <a:pPr/>
-              <a:t>2017/3/7</a:t>
+              <a:t>2017/4/11</a:t>
             </a:fld>
             <a:endParaRPr lang="zh-CN" altLang="en-US"/>
           </a:p>
@@ -3967,11 +4091,7 @@
           <a:p>
             <a:r>
               <a:rPr lang="en-US" altLang="zh-CN" dirty="0" smtClean="0"/>
-              <a:t>SAR </a:t>
-            </a:r>
-            <a:r>
-              <a:rPr lang="en-US" altLang="zh-CN" dirty="0" smtClean="0"/>
-              <a:t>Sensor </a:t>
+              <a:t>SAR Sensor </a:t>
             </a:r>
             <a:r>
               <a:rPr lang="zh-CN" altLang="en-US" dirty="0" smtClean="0"/>
@@ -4234,11 +4354,7 @@
           <a:p>
             <a:r>
               <a:rPr lang="en-US" altLang="zh-CN" dirty="0" smtClean="0"/>
-              <a:t>Hall </a:t>
-            </a:r>
-            <a:r>
-              <a:rPr lang="en-US" altLang="zh-CN" dirty="0" smtClean="0"/>
-              <a:t>Sensor </a:t>
+              <a:t>Hall Sensor </a:t>
             </a:r>
             <a:r>
               <a:rPr lang="zh-CN" altLang="en-US" dirty="0" smtClean="0"/>
@@ -4588,7 +4704,12 @@
             <p:ph type="title"/>
           </p:nvPr>
         </p:nvSpPr>
-        <p:spPr/>
+        <p:spPr>
+          <a:xfrm>
+            <a:off x="395536" y="188640"/>
+            <a:ext cx="8229600" cy="1143000"/>
+          </a:xfrm>
+        </p:spPr>
         <p:txBody>
           <a:bodyPr/>
           <a:lstStyle/>
@@ -4710,7 +4831,6 @@
               <a:rPr lang="en-US" altLang="zh-CN" dirty="0" smtClean="0"/>
               <a:t>/modules/vibrator/</a:t>
             </a:r>
-            <a:endParaRPr lang="en-US" altLang="zh-CN" dirty="0" smtClean="0"/>
           </a:p>
           <a:p>
             <a:pPr lvl="1"/>
@@ -4874,6 +4994,34 @@
             <a:r>
               <a:rPr lang="en-US" altLang="zh-CN" dirty="0" err="1" smtClean="0"/>
               <a:t>vibrator_enable</a:t>
+            </a:r>
+            <a:r>
+              <a:rPr lang="en-US" altLang="zh-CN" dirty="0" smtClean="0"/>
+              <a:t>[</a:t>
+            </a:r>
+            <a:r>
+              <a:rPr lang="zh-CN" altLang="en-US" dirty="0" smtClean="0"/>
+              <a:t>输入数值为</a:t>
+            </a:r>
+            <a:r>
+              <a:rPr lang="en-US" altLang="zh-CN" dirty="0" smtClean="0"/>
+              <a:t>1000</a:t>
+            </a:r>
+            <a:r>
+              <a:rPr lang="zh-CN" altLang="en-US" dirty="0" smtClean="0"/>
+              <a:t>，则震动</a:t>
+            </a:r>
+            <a:r>
+              <a:rPr lang="en-US" altLang="zh-CN" dirty="0" smtClean="0"/>
+              <a:t>1000ms</a:t>
+            </a:r>
+            <a:r>
+              <a:rPr lang="zh-CN" altLang="en-US" smtClean="0"/>
+              <a:t>？</a:t>
+            </a:r>
+            <a:r>
+              <a:rPr lang="en-US" altLang="zh-CN" smtClean="0"/>
+              <a:t>]</a:t>
             </a:r>
             <a:endParaRPr lang="en-US" altLang="zh-CN" dirty="0" smtClean="0"/>
           </a:p>
@@ -5935,7 +6083,34 @@
           <a:p>
             <a:r>
               <a:rPr lang="zh-CN" altLang="en-US" dirty="0" smtClean="0"/>
-              <a:t>后面才加载驱动文件</a:t>
+              <a:t>后面才加载驱动</a:t>
+            </a:r>
+            <a:r>
+              <a:rPr lang="zh-CN" altLang="en-US" dirty="0" smtClean="0"/>
+              <a:t>文件</a:t>
+            </a:r>
+            <a:endParaRPr lang="en-US" altLang="zh-CN" dirty="0" smtClean="0"/>
+          </a:p>
+          <a:p>
+            <a:r>
+              <a:rPr lang="zh-CN" altLang="en-US" dirty="0" smtClean="0"/>
+              <a:t>一般来说，</a:t>
+            </a:r>
+            <a:r>
+              <a:rPr lang="en-US" altLang="zh-CN" dirty="0" smtClean="0"/>
+              <a:t>sys</a:t>
+            </a:r>
+            <a:r>
+              <a:rPr lang="zh-CN" altLang="en-US" dirty="0" smtClean="0"/>
+              <a:t>目录下的节点权限需要注意，还有</a:t>
+            </a:r>
+            <a:r>
+              <a:rPr lang="en-US" altLang="zh-CN" smtClean="0"/>
+              <a:t>sepolicy</a:t>
+            </a:r>
+            <a:r>
+              <a:rPr lang="zh-CN" altLang="en-US" smtClean="0"/>
+              <a:t>的权限也需要注意</a:t>
             </a:r>
             <a:endParaRPr lang="zh-CN" altLang="en-US" dirty="0"/>
           </a:p>
@@ -6294,6 +6469,18 @@
             <a:endParaRPr lang="zh-CN" altLang="en-US" dirty="0"/>
           </a:p>
           <a:p>
+            <a:r>
+              <a:rPr lang="en-US" altLang="zh-CN" dirty="0" smtClean="0"/>
+              <a:t>/sys/device/platform/</a:t>
+            </a:r>
+            <a:r>
+              <a:rPr lang="en-US" altLang="zh-CN" dirty="0" err="1" smtClean="0"/>
+              <a:t>touch_pad</a:t>
+            </a:r>
+            <a:r>
+              <a:rPr lang="en-US" altLang="zh-CN" smtClean="0"/>
+              <a:t>/</a:t>
+            </a:r>
             <a:endParaRPr lang="zh-CN" altLang="en-US" dirty="0"/>
           </a:p>
         </p:txBody>

--- a/doc/Yeti_device_driver_list.pptx
+++ b/doc/Yeti_device_driver_list.pptx
@@ -211,7 +211,7 @@
           <a:p>
             <a:fld id="{D2595E78-9B78-4B50-AE5A-474038A4AFB8}" type="datetimeFigureOut">
               <a:rPr lang="zh-CN" altLang="en-US" smtClean="0"/>
-              <a:t>2017/4/11</a:t>
+              <a:t>2017/4/28</a:t>
             </a:fld>
             <a:endParaRPr lang="zh-CN" altLang="en-US"/>
           </a:p>
@@ -1226,7 +1226,7 @@
             <a:fld id="{5A7BD1E9-E818-4EDB-BE12-72721BB07FFA}" type="datetimeFigureOut">
               <a:rPr lang="zh-CN" altLang="en-US" smtClean="0"/>
               <a:pPr/>
-              <a:t>2017/4/11</a:t>
+              <a:t>2017/4/28</a:t>
             </a:fld>
             <a:endParaRPr lang="zh-CN" altLang="en-US"/>
           </a:p>
@@ -1393,7 +1393,7 @@
             <a:fld id="{5A7BD1E9-E818-4EDB-BE12-72721BB07FFA}" type="datetimeFigureOut">
               <a:rPr lang="zh-CN" altLang="en-US" smtClean="0"/>
               <a:pPr/>
-              <a:t>2017/4/11</a:t>
+              <a:t>2017/4/28</a:t>
             </a:fld>
             <a:endParaRPr lang="zh-CN" altLang="en-US"/>
           </a:p>
@@ -1570,7 +1570,7 @@
             <a:fld id="{5A7BD1E9-E818-4EDB-BE12-72721BB07FFA}" type="datetimeFigureOut">
               <a:rPr lang="zh-CN" altLang="en-US" smtClean="0"/>
               <a:pPr/>
-              <a:t>2017/4/11</a:t>
+              <a:t>2017/4/28</a:t>
             </a:fld>
             <a:endParaRPr lang="zh-CN" altLang="en-US"/>
           </a:p>
@@ -1737,7 +1737,7 @@
             <a:fld id="{5A7BD1E9-E818-4EDB-BE12-72721BB07FFA}" type="datetimeFigureOut">
               <a:rPr lang="zh-CN" altLang="en-US" smtClean="0"/>
               <a:pPr/>
-              <a:t>2017/4/11</a:t>
+              <a:t>2017/4/28</a:t>
             </a:fld>
             <a:endParaRPr lang="zh-CN" altLang="en-US"/>
           </a:p>
@@ -1980,7 +1980,7 @@
             <a:fld id="{5A7BD1E9-E818-4EDB-BE12-72721BB07FFA}" type="datetimeFigureOut">
               <a:rPr lang="zh-CN" altLang="en-US" smtClean="0"/>
               <a:pPr/>
-              <a:t>2017/4/11</a:t>
+              <a:t>2017/4/28</a:t>
             </a:fld>
             <a:endParaRPr lang="zh-CN" altLang="en-US"/>
           </a:p>
@@ -2265,7 +2265,7 @@
             <a:fld id="{5A7BD1E9-E818-4EDB-BE12-72721BB07FFA}" type="datetimeFigureOut">
               <a:rPr lang="zh-CN" altLang="en-US" smtClean="0"/>
               <a:pPr/>
-              <a:t>2017/4/11</a:t>
+              <a:t>2017/4/28</a:t>
             </a:fld>
             <a:endParaRPr lang="zh-CN" altLang="en-US"/>
           </a:p>
@@ -2684,7 +2684,7 @@
             <a:fld id="{5A7BD1E9-E818-4EDB-BE12-72721BB07FFA}" type="datetimeFigureOut">
               <a:rPr lang="zh-CN" altLang="en-US" smtClean="0"/>
               <a:pPr/>
-              <a:t>2017/4/11</a:t>
+              <a:t>2017/4/28</a:t>
             </a:fld>
             <a:endParaRPr lang="zh-CN" altLang="en-US"/>
           </a:p>
@@ -2799,7 +2799,7 @@
             <a:fld id="{5A7BD1E9-E818-4EDB-BE12-72721BB07FFA}" type="datetimeFigureOut">
               <a:rPr lang="zh-CN" altLang="en-US" smtClean="0"/>
               <a:pPr/>
-              <a:t>2017/4/11</a:t>
+              <a:t>2017/4/28</a:t>
             </a:fld>
             <a:endParaRPr lang="zh-CN" altLang="en-US"/>
           </a:p>
@@ -2891,7 +2891,7 @@
             <a:fld id="{5A7BD1E9-E818-4EDB-BE12-72721BB07FFA}" type="datetimeFigureOut">
               <a:rPr lang="zh-CN" altLang="en-US" smtClean="0"/>
               <a:pPr/>
-              <a:t>2017/4/11</a:t>
+              <a:t>2017/4/28</a:t>
             </a:fld>
             <a:endParaRPr lang="zh-CN" altLang="en-US"/>
           </a:p>
@@ -3165,7 +3165,7 @@
             <a:fld id="{5A7BD1E9-E818-4EDB-BE12-72721BB07FFA}" type="datetimeFigureOut">
               <a:rPr lang="zh-CN" altLang="en-US" smtClean="0"/>
               <a:pPr/>
-              <a:t>2017/4/11</a:t>
+              <a:t>2017/4/28</a:t>
             </a:fld>
             <a:endParaRPr lang="zh-CN" altLang="en-US"/>
           </a:p>
@@ -3415,7 +3415,7 @@
             <a:fld id="{5A7BD1E9-E818-4EDB-BE12-72721BB07FFA}" type="datetimeFigureOut">
               <a:rPr lang="zh-CN" altLang="en-US" smtClean="0"/>
               <a:pPr/>
-              <a:t>2017/4/11</a:t>
+              <a:t>2017/4/28</a:t>
             </a:fld>
             <a:endParaRPr lang="zh-CN" altLang="en-US"/>
           </a:p>
@@ -3625,7 +3625,7 @@
             <a:fld id="{5A7BD1E9-E818-4EDB-BE12-72721BB07FFA}" type="datetimeFigureOut">
               <a:rPr lang="zh-CN" altLang="en-US" smtClean="0"/>
               <a:pPr/>
-              <a:t>2017/4/11</a:t>
+              <a:t>2017/4/28</a:t>
             </a:fld>
             <a:endParaRPr lang="zh-CN" altLang="en-US"/>
           </a:p>
@@ -4444,27 +4444,97 @@
             <a:pPr lvl="1"/>
             <a:r>
               <a:rPr lang="en-US" altLang="zh-CN" dirty="0" smtClean="0"/>
-              <a:t>/sys/class/switch2/hall</a:t>
-            </a:r>
-          </a:p>
-          <a:p>
-            <a:pPr lvl="1"/>
-            <a:r>
-              <a:rPr lang="en-US" altLang="zh-CN" dirty="0" smtClean="0"/>
-              <a:t>/sys/class/switch2/</a:t>
+              <a:t>/</a:t>
+            </a:r>
+            <a:r>
+              <a:rPr lang="en-US" altLang="zh-CN" dirty="0" smtClean="0"/>
+              <a:t>sys/class/switch2/</a:t>
             </a:r>
             <a:r>
               <a:rPr lang="en-US" altLang="zh-CN" dirty="0" err="1" smtClean="0"/>
               <a:t>sec_hall</a:t>
             </a:r>
+            <a:r>
+              <a:rPr lang="en-US" altLang="zh-CN" dirty="0" smtClean="0"/>
+              <a:t>[</a:t>
+            </a:r>
+            <a:r>
+              <a:rPr lang="zh-CN" altLang="en-US" dirty="0" smtClean="0"/>
+              <a:t>贴在</a:t>
+            </a:r>
+            <a:r>
+              <a:rPr lang="en-US" altLang="zh-CN" dirty="0" smtClean="0"/>
+              <a:t>b</a:t>
+            </a:r>
+            <a:r>
+              <a:rPr lang="zh-CN" altLang="en-US" dirty="0" smtClean="0"/>
+              <a:t>面的摄像头那里</a:t>
+            </a:r>
+            <a:r>
+              <a:rPr lang="en-US" altLang="zh-CN" dirty="0" smtClean="0"/>
+              <a:t>]</a:t>
+            </a:r>
             <a:endParaRPr lang="en-US" altLang="zh-CN" dirty="0" smtClean="0"/>
           </a:p>
           <a:p>
+            <a:pPr lvl="1"/>
+            <a:r>
+              <a:rPr lang="en-US" altLang="zh-CN" smtClean="0"/>
+              <a:t>/</a:t>
+            </a:r>
+            <a:r>
+              <a:rPr lang="en-US" altLang="zh-CN" smtClean="0"/>
+              <a:t>sys/class/switch2/</a:t>
+            </a:r>
+            <a:r>
+              <a:rPr lang="en-US" altLang="zh-CN"/>
+              <a:t>h</a:t>
+            </a:r>
+            <a:r>
+              <a:rPr lang="en-US" altLang="zh-CN" smtClean="0"/>
+              <a:t>all</a:t>
+            </a:r>
+            <a:r>
+              <a:rPr lang="en-US" altLang="zh-CN" dirty="0" smtClean="0"/>
+              <a:t>[</a:t>
+            </a:r>
+            <a:r>
+              <a:rPr lang="zh-CN" altLang="en-US" dirty="0" smtClean="0"/>
+              <a:t>贴在</a:t>
+            </a:r>
+            <a:r>
+              <a:rPr lang="en-US" altLang="zh-CN" dirty="0" smtClean="0"/>
+              <a:t>C</a:t>
+            </a:r>
+            <a:r>
+              <a:rPr lang="zh-CN" altLang="en-US" dirty="0" smtClean="0"/>
+              <a:t>面键盘最上中央</a:t>
+            </a:r>
+            <a:r>
+              <a:rPr lang="en-US" altLang="zh-CN" dirty="0" smtClean="0"/>
+              <a:t>]</a:t>
+            </a:r>
+            <a:endParaRPr lang="en-US" altLang="zh-CN" dirty="0" smtClean="0"/>
+          </a:p>
+          <a:p>
             <a:pPr lvl="2"/>
             <a:r>
               <a:rPr lang="en-US" altLang="zh-CN" dirty="0" smtClean="0"/>
-              <a:t>State</a:t>
-            </a:r>
+              <a:t>State 0</a:t>
+            </a:r>
+            <a:r>
+              <a:rPr lang="zh-CN" altLang="en-US" dirty="0" smtClean="0"/>
+              <a:t>合上，</a:t>
+            </a:r>
+            <a:r>
+              <a:rPr lang="en-US" altLang="zh-CN" dirty="0" smtClean="0"/>
+              <a:t>1</a:t>
+            </a:r>
+            <a:r>
+              <a:rPr lang="zh-CN" altLang="en-US" dirty="0" smtClean="0"/>
+              <a:t>打开</a:t>
+            </a:r>
+            <a:endParaRPr lang="en-US" altLang="zh-CN" dirty="0" smtClean="0"/>
           </a:p>
           <a:p>
             <a:pPr lvl="2"/>
@@ -6083,11 +6153,7 @@
           <a:p>
             <a:r>
               <a:rPr lang="zh-CN" altLang="en-US" dirty="0" smtClean="0"/>
-              <a:t>后面才加载驱动</a:t>
-            </a:r>
-            <a:r>
-              <a:rPr lang="zh-CN" altLang="en-US" dirty="0" smtClean="0"/>
-              <a:t>文件</a:t>
+              <a:t>后面才加载驱动文件</a:t>
             </a:r>
             <a:endParaRPr lang="en-US" altLang="zh-CN" dirty="0" smtClean="0"/>
           </a:p>
